--- a/adversarial/review.pptx
+++ b/adversarial/review.pptx
@@ -1,12 +1,25 @@
 
 <file path=ppt/presentation.xml><?xml version="1.0" encoding="utf-8"?>
-<p:presentation xmlns:a="http://schemas.openxmlformats.org/drawingml/2006/main" xmlns:r="http://schemas.openxmlformats.org/officeDocument/2006/relationships" xmlns:p="http://schemas.openxmlformats.org/presentationml/2006/main" saveSubsetFonts="1" autoCompressPictures="0">
+<p:presentation xmlns:a="http://schemas.openxmlformats.org/drawingml/2006/main" xmlns:r="http://schemas.openxmlformats.org/officeDocument/2006/relationships" xmlns:p="http://schemas.openxmlformats.org/presentationml/2006/main" autoCompressPictures="0">
   <p:sldMasterIdLst>
     <p:sldMasterId id="2147483648" r:id="rId1"/>
   </p:sldMasterIdLst>
+  <p:notesMasterIdLst>
+    <p:notesMasterId r:id="rId4"/>
+  </p:notesMasterIdLst>
   <p:sldIdLst>
-    <p:sldId id="256" r:id="rId2"/>
-    <p:sldId id="257" r:id="rId3"/>
+    <p:sldId id="256" r:id="rId3"/>
+    <p:sldId id="257" r:id="rId5"/>
+    <p:sldId id="258" r:id="rId6"/>
+    <p:sldId id="259" r:id="rId7"/>
+    <p:sldId id="260" r:id="rId8"/>
+    <p:sldId id="261" r:id="rId9"/>
+    <p:sldId id="262" r:id="rId10"/>
+    <p:sldId id="263" r:id="rId11"/>
+    <p:sldId id="264" r:id="rId12"/>
+    <p:sldId id="265" r:id="rId13"/>
+    <p:sldId id="266" r:id="rId14"/>
+    <p:sldId id="267" r:id="rId15"/>
   </p:sldIdLst>
   <p:sldSz cx="12192000" cy="6858000"/>
   <p:notesSz cx="6858000" cy="9144000"/>
@@ -108,6 +121,397 @@
 </p:presentation>
 </file>
 
+<file path=ppt/notesMasters/notesMaster1.xml><?xml version="1.0" encoding="utf-8"?>
+<p:notesMaster xmlns:a="http://schemas.openxmlformats.org/drawingml/2006/main" xmlns:r="http://schemas.openxmlformats.org/officeDocument/2006/relationships" xmlns:p="http://schemas.openxmlformats.org/presentationml/2006/main">
+  <p:cSld>
+    <p:bg>
+      <p:bgRef idx="1001">
+        <a:schemeClr val="bg1"/>
+      </p:bgRef>
+    </p:bg>
+    <p:spTree>
+      <p:nvGrpSpPr>
+        <p:cNvPr id="1" name=""/>
+        <p:cNvGrpSpPr/>
+        <p:nvPr/>
+      </p:nvGrpSpPr>
+      <p:grpSpPr>
+        <a:xfrm>
+          <a:off x="0" y="0"/>
+          <a:ext cx="0" cy="0"/>
+          <a:chOff x="0" y="0"/>
+          <a:chExt cx="0" cy="0"/>
+        </a:xfrm>
+      </p:grpSpPr>
+      <p:sp>
+        <p:nvSpPr>
+          <p:cNvPr id="2" name="页眉占位符 1"/>
+          <p:cNvSpPr>
+            <a:spLocks noGrp="1"/>
+          </p:cNvSpPr>
+          <p:nvPr>
+            <p:ph type="hdr" sz="quarter"/>
+          </p:nvPr>
+        </p:nvSpPr>
+        <p:spPr>
+          <a:xfrm>
+            <a:off x="0" y="0"/>
+            <a:ext cx="2971800" cy="458788"/>
+          </a:xfrm>
+          <a:prstGeom prst="rect">
+            <a:avLst/>
+          </a:prstGeom>
+        </p:spPr>
+        <p:txBody>
+          <a:bodyPr vert="horz" lIns="91440" tIns="45720" rIns="91440" bIns="45720" rtlCol="0"/>
+          <a:lstStyle>
+            <a:lvl1pPr algn="l">
+              <a:defRPr sz="1200"/>
+            </a:lvl1pPr>
+          </a:lstStyle>
+          <a:p>
+            <a:endParaRPr lang="zh-CN" altLang="en-US"/>
+          </a:p>
+        </p:txBody>
+      </p:sp>
+      <p:sp>
+        <p:nvSpPr>
+          <p:cNvPr id="3" name="日期占位符 2"/>
+          <p:cNvSpPr>
+            <a:spLocks noGrp="1"/>
+          </p:cNvSpPr>
+          <p:nvPr>
+            <p:ph type="dt" idx="1"/>
+          </p:nvPr>
+        </p:nvSpPr>
+        <p:spPr>
+          <a:xfrm>
+            <a:off x="3884613" y="0"/>
+            <a:ext cx="2971800" cy="458788"/>
+          </a:xfrm>
+          <a:prstGeom prst="rect">
+            <a:avLst/>
+          </a:prstGeom>
+        </p:spPr>
+        <p:txBody>
+          <a:bodyPr vert="horz" lIns="91440" tIns="45720" rIns="91440" bIns="45720" rtlCol="0"/>
+          <a:lstStyle>
+            <a:lvl1pPr algn="r">
+              <a:defRPr sz="1200"/>
+            </a:lvl1pPr>
+          </a:lstStyle>
+          <a:p>
+            <a:fld id="{D2A48B96-639E-45A3-A0BA-2464DFDB1FAA}" type="datetimeFigureOut">
+              <a:rPr lang="zh-CN" altLang="en-US" smtClean="0"/>
+            </a:fld>
+            <a:endParaRPr lang="zh-CN" altLang="en-US"/>
+          </a:p>
+        </p:txBody>
+      </p:sp>
+      <p:sp>
+        <p:nvSpPr>
+          <p:cNvPr id="4" name="幻灯片图像占位符 3"/>
+          <p:cNvSpPr>
+            <a:spLocks noGrp="1" noRot="1" noChangeAspect="1"/>
+          </p:cNvSpPr>
+          <p:nvPr>
+            <p:ph type="sldImg" idx="2"/>
+          </p:nvPr>
+        </p:nvSpPr>
+        <p:spPr>
+          <a:xfrm>
+            <a:off x="685800" y="1143000"/>
+            <a:ext cx="5486400" cy="3086100"/>
+          </a:xfrm>
+          <a:prstGeom prst="rect">
+            <a:avLst/>
+          </a:prstGeom>
+          <a:noFill/>
+          <a:ln w="12700">
+            <a:solidFill>
+              <a:prstClr val="black"/>
+            </a:solidFill>
+          </a:ln>
+        </p:spPr>
+        <p:txBody>
+          <a:bodyPr vert="horz" lIns="91440" tIns="45720" rIns="91440" bIns="45720" rtlCol="0" anchor="ctr"/>
+          <a:lstStyle/>
+          <a:p>
+            <a:endParaRPr lang="zh-CN" altLang="en-US"/>
+          </a:p>
+        </p:txBody>
+      </p:sp>
+      <p:sp>
+        <p:nvSpPr>
+          <p:cNvPr id="5" name="备注占位符 4"/>
+          <p:cNvSpPr>
+            <a:spLocks noGrp="1"/>
+          </p:cNvSpPr>
+          <p:nvPr>
+            <p:ph type="body" sz="quarter" idx="3"/>
+          </p:nvPr>
+        </p:nvSpPr>
+        <p:spPr>
+          <a:xfrm>
+            <a:off x="685800" y="4400550"/>
+            <a:ext cx="5486400" cy="3600450"/>
+          </a:xfrm>
+          <a:prstGeom prst="rect">
+            <a:avLst/>
+          </a:prstGeom>
+        </p:spPr>
+        <p:txBody>
+          <a:bodyPr vert="horz" lIns="91440" tIns="45720" rIns="91440" bIns="45720" rtlCol="0"/>
+          <a:lstStyle/>
+          <a:p>
+            <a:pPr lvl="0"/>
+            <a:r>
+              <a:rPr lang="zh-CN" altLang="en-US" smtClean="0"/>
+              <a:t>单击此处编辑母版文本样式</a:t>
+            </a:r>
+            <a:endParaRPr lang="zh-CN" altLang="en-US" smtClean="0"/>
+          </a:p>
+          <a:p>
+            <a:pPr lvl="1"/>
+            <a:r>
+              <a:rPr lang="zh-CN" altLang="en-US" smtClean="0"/>
+              <a:t>第二级</a:t>
+            </a:r>
+            <a:endParaRPr lang="zh-CN" altLang="en-US" smtClean="0"/>
+          </a:p>
+          <a:p>
+            <a:pPr lvl="2"/>
+            <a:r>
+              <a:rPr lang="zh-CN" altLang="en-US" smtClean="0"/>
+              <a:t>第三级</a:t>
+            </a:r>
+            <a:endParaRPr lang="zh-CN" altLang="en-US" smtClean="0"/>
+          </a:p>
+          <a:p>
+            <a:pPr lvl="3"/>
+            <a:r>
+              <a:rPr lang="zh-CN" altLang="en-US" smtClean="0"/>
+              <a:t>第四级</a:t>
+            </a:r>
+            <a:endParaRPr lang="zh-CN" altLang="en-US" smtClean="0"/>
+          </a:p>
+          <a:p>
+            <a:pPr lvl="4"/>
+            <a:r>
+              <a:rPr lang="zh-CN" altLang="en-US" smtClean="0"/>
+              <a:t>第五级</a:t>
+            </a:r>
+            <a:endParaRPr lang="zh-CN" altLang="en-US"/>
+          </a:p>
+        </p:txBody>
+      </p:sp>
+      <p:sp>
+        <p:nvSpPr>
+          <p:cNvPr id="6" name="页脚占位符 5"/>
+          <p:cNvSpPr>
+            <a:spLocks noGrp="1"/>
+          </p:cNvSpPr>
+          <p:nvPr>
+            <p:ph type="ftr" sz="quarter" idx="4"/>
+          </p:nvPr>
+        </p:nvSpPr>
+        <p:spPr>
+          <a:xfrm>
+            <a:off x="0" y="8685213"/>
+            <a:ext cx="2971800" cy="458787"/>
+          </a:xfrm>
+          <a:prstGeom prst="rect">
+            <a:avLst/>
+          </a:prstGeom>
+        </p:spPr>
+        <p:txBody>
+          <a:bodyPr vert="horz" lIns="91440" tIns="45720" rIns="91440" bIns="45720" rtlCol="0" anchor="b"/>
+          <a:lstStyle>
+            <a:lvl1pPr algn="l">
+              <a:defRPr sz="1200"/>
+            </a:lvl1pPr>
+          </a:lstStyle>
+          <a:p>
+            <a:endParaRPr lang="zh-CN" altLang="en-US"/>
+          </a:p>
+        </p:txBody>
+      </p:sp>
+      <p:sp>
+        <p:nvSpPr>
+          <p:cNvPr id="7" name="灯片编号占位符 6"/>
+          <p:cNvSpPr>
+            <a:spLocks noGrp="1"/>
+          </p:cNvSpPr>
+          <p:nvPr>
+            <p:ph type="sldNum" sz="quarter" idx="5"/>
+          </p:nvPr>
+        </p:nvSpPr>
+        <p:spPr>
+          <a:xfrm>
+            <a:off x="3884613" y="8685213"/>
+            <a:ext cx="2971800" cy="458787"/>
+          </a:xfrm>
+          <a:prstGeom prst="rect">
+            <a:avLst/>
+          </a:prstGeom>
+        </p:spPr>
+        <p:txBody>
+          <a:bodyPr vert="horz" lIns="91440" tIns="45720" rIns="91440" bIns="45720" rtlCol="0" anchor="b"/>
+          <a:lstStyle>
+            <a:lvl1pPr algn="r">
+              <a:defRPr sz="1200"/>
+            </a:lvl1pPr>
+          </a:lstStyle>
+          <a:p>
+            <a:fld id="{A6837353-30EB-4A48-80EB-173D804AEFBD}" type="slidenum">
+              <a:rPr lang="zh-CN" altLang="en-US" smtClean="0"/>
+            </a:fld>
+            <a:endParaRPr lang="zh-CN" altLang="en-US"/>
+          </a:p>
+        </p:txBody>
+      </p:sp>
+    </p:spTree>
+  </p:cSld>
+  <p:clrMap bg1="lt1" tx1="dk1" bg2="lt2" tx2="dk2" accent1="accent1" accent2="accent2" accent3="accent3" accent4="accent4" accent5="accent5" accent6="accent6" hlink="hlink" folHlink="folHlink"/>
+  <p:notesStyle>
+    <a:lvl1pPr marL="0" algn="l" defTabSz="914400" rtl="0" eaLnBrk="1" latinLnBrk="0" hangingPunct="1">
+      <a:defRPr sz="1200" kern="1200">
+        <a:solidFill>
+          <a:schemeClr val="tx1"/>
+        </a:solidFill>
+        <a:latin typeface="+mn-lt"/>
+        <a:ea typeface="+mn-ea"/>
+        <a:cs typeface="+mn-cs"/>
+      </a:defRPr>
+    </a:lvl1pPr>
+    <a:lvl2pPr marL="457200" algn="l" defTabSz="914400" rtl="0" eaLnBrk="1" latinLnBrk="0" hangingPunct="1">
+      <a:defRPr sz="1200" kern="1200">
+        <a:solidFill>
+          <a:schemeClr val="tx1"/>
+        </a:solidFill>
+        <a:latin typeface="+mn-lt"/>
+        <a:ea typeface="+mn-ea"/>
+        <a:cs typeface="+mn-cs"/>
+      </a:defRPr>
+    </a:lvl2pPr>
+    <a:lvl3pPr marL="914400" algn="l" defTabSz="914400" rtl="0" eaLnBrk="1" latinLnBrk="0" hangingPunct="1">
+      <a:defRPr sz="1200" kern="1200">
+        <a:solidFill>
+          <a:schemeClr val="tx1"/>
+        </a:solidFill>
+        <a:latin typeface="+mn-lt"/>
+        <a:ea typeface="+mn-ea"/>
+        <a:cs typeface="+mn-cs"/>
+      </a:defRPr>
+    </a:lvl3pPr>
+    <a:lvl4pPr marL="1371600" algn="l" defTabSz="914400" rtl="0" eaLnBrk="1" latinLnBrk="0" hangingPunct="1">
+      <a:defRPr sz="1200" kern="1200">
+        <a:solidFill>
+          <a:schemeClr val="tx1"/>
+        </a:solidFill>
+        <a:latin typeface="+mn-lt"/>
+        <a:ea typeface="+mn-ea"/>
+        <a:cs typeface="+mn-cs"/>
+      </a:defRPr>
+    </a:lvl4pPr>
+    <a:lvl5pPr marL="1828800" algn="l" defTabSz="914400" rtl="0" eaLnBrk="1" latinLnBrk="0" hangingPunct="1">
+      <a:defRPr sz="1200" kern="1200">
+        <a:solidFill>
+          <a:schemeClr val="tx1"/>
+        </a:solidFill>
+        <a:latin typeface="+mn-lt"/>
+        <a:ea typeface="+mn-ea"/>
+        <a:cs typeface="+mn-cs"/>
+      </a:defRPr>
+    </a:lvl5pPr>
+    <a:lvl6pPr marL="2286000" algn="l" defTabSz="914400" rtl="0" eaLnBrk="1" latinLnBrk="0" hangingPunct="1">
+      <a:defRPr sz="1200" kern="1200">
+        <a:solidFill>
+          <a:schemeClr val="tx1"/>
+        </a:solidFill>
+        <a:latin typeface="+mn-lt"/>
+        <a:ea typeface="+mn-ea"/>
+        <a:cs typeface="+mn-cs"/>
+      </a:defRPr>
+    </a:lvl6pPr>
+    <a:lvl7pPr marL="2743200" algn="l" defTabSz="914400" rtl="0" eaLnBrk="1" latinLnBrk="0" hangingPunct="1">
+      <a:defRPr sz="1200" kern="1200">
+        <a:solidFill>
+          <a:schemeClr val="tx1"/>
+        </a:solidFill>
+        <a:latin typeface="+mn-lt"/>
+        <a:ea typeface="+mn-ea"/>
+        <a:cs typeface="+mn-cs"/>
+      </a:defRPr>
+    </a:lvl7pPr>
+    <a:lvl8pPr marL="3200400" algn="l" defTabSz="914400" rtl="0" eaLnBrk="1" latinLnBrk="0" hangingPunct="1">
+      <a:defRPr sz="1200" kern="1200">
+        <a:solidFill>
+          <a:schemeClr val="tx1"/>
+        </a:solidFill>
+        <a:latin typeface="+mn-lt"/>
+        <a:ea typeface="+mn-ea"/>
+        <a:cs typeface="+mn-cs"/>
+      </a:defRPr>
+    </a:lvl8pPr>
+    <a:lvl9pPr marL="3657600" algn="l" defTabSz="914400" rtl="0" eaLnBrk="1" latinLnBrk="0" hangingPunct="1">
+      <a:defRPr sz="1200" kern="1200">
+        <a:solidFill>
+          <a:schemeClr val="tx1"/>
+        </a:solidFill>
+        <a:latin typeface="+mn-lt"/>
+        <a:ea typeface="+mn-ea"/>
+        <a:cs typeface="+mn-cs"/>
+      </a:defRPr>
+    </a:lvl9pPr>
+  </p:notesStyle>
+</p:notesMaster>
+</file>
+
+<file path=ppt/notesSlides/notesSlide1.xml><?xml version="1.0" encoding="utf-8"?>
+<p:notes xmlns:a="http://schemas.openxmlformats.org/drawingml/2006/main" xmlns:r="http://schemas.openxmlformats.org/officeDocument/2006/relationships" xmlns:p="http://schemas.openxmlformats.org/presentationml/2006/main">
+  <p:cSld>
+    <p:spTree>
+      <p:nvGrpSpPr>
+        <p:cNvPr id="1" name=""/>
+        <p:cNvGrpSpPr/>
+        <p:nvPr/>
+      </p:nvGrpSpPr>
+      <p:grpSpPr/>
+      <p:sp>
+        <p:nvSpPr>
+          <p:cNvPr id="2" name="幻灯片图像占位符 1"/>
+          <p:cNvSpPr/>
+          <p:nvPr>
+            <p:ph type="sldImg" idx="2"/>
+          </p:nvPr>
+        </p:nvSpPr>
+        <p:spPr/>
+      </p:sp>
+      <p:sp>
+        <p:nvSpPr>
+          <p:cNvPr id="3" name="文本占位符 2"/>
+          <p:cNvSpPr/>
+          <p:nvPr>
+            <p:ph type="body" idx="3"/>
+          </p:nvPr>
+        </p:nvSpPr>
+        <p:spPr/>
+        <p:txBody>
+          <a:bodyPr/>
+          <a:p>
+            <a:endParaRPr lang="zh-CN" altLang="en-US"/>
+          </a:p>
+        </p:txBody>
+      </p:sp>
+    </p:spTree>
+  </p:cSld>
+  <p:clrMapOvr>
+    <a:masterClrMapping/>
+  </p:clrMapOvr>
+</p:notes>
+</file>
+
 <file path=ppt/slideLayouts/slideLayout1.xml><?xml version="1.0" encoding="utf-8"?>
 <p:sldLayout xmlns:a="http://schemas.openxmlformats.org/drawingml/2006/main" xmlns:r="http://schemas.openxmlformats.org/officeDocument/2006/relationships" xmlns:p="http://schemas.openxmlformats.org/presentationml/2006/main" type="title" preserve="1">
   <p:cSld name="标题幻灯片">
@@ -239,7 +643,6 @@
           <a:p>
             <a:fld id="{AA64E840-1E39-4F45-8438-C853AA91E187}" type="datetimeFigureOut">
               <a:rPr kumimoji="1" lang="zh-CN" altLang="en-US" smtClean="0"/>
-              <a:t>2018/11/10</a:t>
             </a:fld>
             <a:endParaRPr kumimoji="1" lang="zh-CN" altLang="en-US"/>
           </a:p>
@@ -281,18 +684,12 @@
           <a:p>
             <a:fld id="{55A6692D-514C-5344-BDF0-1A07AF8193F0}" type="slidenum">
               <a:rPr kumimoji="1" lang="zh-CN" altLang="en-US" smtClean="0"/>
-              <a:t>‹#›</a:t>
             </a:fld>
             <a:endParaRPr kumimoji="1" lang="zh-CN" altLang="en-US"/>
           </a:p>
         </p:txBody>
       </p:sp>
     </p:spTree>
-    <p:extLst>
-      <p:ext uri="{BB962C8B-B14F-4D97-AF65-F5344CB8AC3E}">
-        <p14:creationId xmlns:p14="http://schemas.microsoft.com/office/powerpoint/2010/main" val="2114002373"/>
-      </p:ext>
-    </p:extLst>
   </p:cSld>
   <p:clrMapOvr>
     <a:masterClrMapping/>
@@ -360,6 +757,7 @@
               <a:rPr kumimoji="1" lang="zh-CN" altLang="en-US" smtClean="0"/>
               <a:t>单击此处编辑母版文本样式</a:t>
             </a:r>
+            <a:endParaRPr kumimoji="1" lang="zh-CN" altLang="en-US" smtClean="0"/>
           </a:p>
           <a:p>
             <a:pPr lvl="1"/>
@@ -367,6 +765,7 @@
               <a:rPr kumimoji="1" lang="zh-CN" altLang="en-US" smtClean="0"/>
               <a:t>二级</a:t>
             </a:r>
+            <a:endParaRPr kumimoji="1" lang="zh-CN" altLang="en-US" smtClean="0"/>
           </a:p>
           <a:p>
             <a:pPr lvl="2"/>
@@ -374,6 +773,7 @@
               <a:rPr kumimoji="1" lang="zh-CN" altLang="en-US" smtClean="0"/>
               <a:t>三级</a:t>
             </a:r>
+            <a:endParaRPr kumimoji="1" lang="zh-CN" altLang="en-US" smtClean="0"/>
           </a:p>
           <a:p>
             <a:pPr lvl="3"/>
@@ -381,6 +781,7 @@
               <a:rPr kumimoji="1" lang="zh-CN" altLang="en-US" smtClean="0"/>
               <a:t>四级</a:t>
             </a:r>
+            <a:endParaRPr kumimoji="1" lang="zh-CN" altLang="en-US" smtClean="0"/>
           </a:p>
           <a:p>
             <a:pPr lvl="4"/>
@@ -409,7 +810,6 @@
           <a:p>
             <a:fld id="{AA64E840-1E39-4F45-8438-C853AA91E187}" type="datetimeFigureOut">
               <a:rPr kumimoji="1" lang="zh-CN" altLang="en-US" smtClean="0"/>
-              <a:t>2018/11/10</a:t>
             </a:fld>
             <a:endParaRPr kumimoji="1" lang="zh-CN" altLang="en-US"/>
           </a:p>
@@ -451,18 +851,12 @@
           <a:p>
             <a:fld id="{55A6692D-514C-5344-BDF0-1A07AF8193F0}" type="slidenum">
               <a:rPr kumimoji="1" lang="zh-CN" altLang="en-US" smtClean="0"/>
-              <a:t>‹#›</a:t>
             </a:fld>
             <a:endParaRPr kumimoji="1" lang="zh-CN" altLang="en-US"/>
           </a:p>
         </p:txBody>
       </p:sp>
     </p:spTree>
-    <p:extLst>
-      <p:ext uri="{BB962C8B-B14F-4D97-AF65-F5344CB8AC3E}">
-        <p14:creationId xmlns:p14="http://schemas.microsoft.com/office/powerpoint/2010/main" val="821536561"/>
-      </p:ext>
-    </p:extLst>
   </p:cSld>
   <p:clrMapOvr>
     <a:masterClrMapping/>
@@ -540,6 +934,7 @@
               <a:rPr kumimoji="1" lang="zh-CN" altLang="en-US" smtClean="0"/>
               <a:t>单击此处编辑母版文本样式</a:t>
             </a:r>
+            <a:endParaRPr kumimoji="1" lang="zh-CN" altLang="en-US" smtClean="0"/>
           </a:p>
           <a:p>
             <a:pPr lvl="1"/>
@@ -547,6 +942,7 @@
               <a:rPr kumimoji="1" lang="zh-CN" altLang="en-US" smtClean="0"/>
               <a:t>二级</a:t>
             </a:r>
+            <a:endParaRPr kumimoji="1" lang="zh-CN" altLang="en-US" smtClean="0"/>
           </a:p>
           <a:p>
             <a:pPr lvl="2"/>
@@ -554,6 +950,7 @@
               <a:rPr kumimoji="1" lang="zh-CN" altLang="en-US" smtClean="0"/>
               <a:t>三级</a:t>
             </a:r>
+            <a:endParaRPr kumimoji="1" lang="zh-CN" altLang="en-US" smtClean="0"/>
           </a:p>
           <a:p>
             <a:pPr lvl="3"/>
@@ -561,6 +958,7 @@
               <a:rPr kumimoji="1" lang="zh-CN" altLang="en-US" smtClean="0"/>
               <a:t>四级</a:t>
             </a:r>
+            <a:endParaRPr kumimoji="1" lang="zh-CN" altLang="en-US" smtClean="0"/>
           </a:p>
           <a:p>
             <a:pPr lvl="4"/>
@@ -589,7 +987,6 @@
           <a:p>
             <a:fld id="{AA64E840-1E39-4F45-8438-C853AA91E187}" type="datetimeFigureOut">
               <a:rPr kumimoji="1" lang="zh-CN" altLang="en-US" smtClean="0"/>
-              <a:t>2018/11/10</a:t>
             </a:fld>
             <a:endParaRPr kumimoji="1" lang="zh-CN" altLang="en-US"/>
           </a:p>
@@ -631,18 +1028,12 @@
           <a:p>
             <a:fld id="{55A6692D-514C-5344-BDF0-1A07AF8193F0}" type="slidenum">
               <a:rPr kumimoji="1" lang="zh-CN" altLang="en-US" smtClean="0"/>
-              <a:t>‹#›</a:t>
             </a:fld>
             <a:endParaRPr kumimoji="1" lang="zh-CN" altLang="en-US"/>
           </a:p>
         </p:txBody>
       </p:sp>
     </p:spTree>
-    <p:extLst>
-      <p:ext uri="{BB962C8B-B14F-4D97-AF65-F5344CB8AC3E}">
-        <p14:creationId xmlns:p14="http://schemas.microsoft.com/office/powerpoint/2010/main" val="1392614164"/>
-      </p:ext>
-    </p:extLst>
   </p:cSld>
   <p:clrMapOvr>
     <a:masterClrMapping/>
@@ -715,7 +1106,6 @@
           <a:p>
             <a:fld id="{AA64E840-1E39-4F45-8438-C853AA91E187}" type="datetimeFigureOut">
               <a:rPr kumimoji="1" lang="zh-CN" altLang="en-US" smtClean="0"/>
-              <a:t>2018/11/10</a:t>
             </a:fld>
             <a:endParaRPr kumimoji="1" lang="zh-CN" altLang="en-US"/>
           </a:p>
@@ -757,18 +1147,12 @@
           <a:p>
             <a:fld id="{55A6692D-514C-5344-BDF0-1A07AF8193F0}" type="slidenum">
               <a:rPr kumimoji="1" lang="zh-CN" altLang="en-US" smtClean="0"/>
-              <a:t>‹#›</a:t>
             </a:fld>
             <a:endParaRPr kumimoji="1" lang="zh-CN" altLang="en-US"/>
           </a:p>
         </p:txBody>
       </p:sp>
     </p:spTree>
-    <p:extLst>
-      <p:ext uri="{BB962C8B-B14F-4D97-AF65-F5344CB8AC3E}">
-        <p14:creationId xmlns:p14="http://schemas.microsoft.com/office/powerpoint/2010/main" val="595992565"/>
-      </p:ext>
-    </p:extLst>
   </p:cSld>
   <p:clrMapOvr>
     <a:masterClrMapping/>
@@ -836,6 +1220,7 @@
               <a:rPr kumimoji="1" lang="zh-CN" altLang="en-US" smtClean="0"/>
               <a:t>单击此处编辑母版文本样式</a:t>
             </a:r>
+            <a:endParaRPr kumimoji="1" lang="zh-CN" altLang="en-US" smtClean="0"/>
           </a:p>
           <a:p>
             <a:pPr lvl="1"/>
@@ -843,6 +1228,7 @@
               <a:rPr kumimoji="1" lang="zh-CN" altLang="en-US" smtClean="0"/>
               <a:t>二级</a:t>
             </a:r>
+            <a:endParaRPr kumimoji="1" lang="zh-CN" altLang="en-US" smtClean="0"/>
           </a:p>
           <a:p>
             <a:pPr lvl="2"/>
@@ -850,6 +1236,7 @@
               <a:rPr kumimoji="1" lang="zh-CN" altLang="en-US" smtClean="0"/>
               <a:t>三级</a:t>
             </a:r>
+            <a:endParaRPr kumimoji="1" lang="zh-CN" altLang="en-US" smtClean="0"/>
           </a:p>
           <a:p>
             <a:pPr lvl="3"/>
@@ -857,6 +1244,7 @@
               <a:rPr kumimoji="1" lang="zh-CN" altLang="en-US" smtClean="0"/>
               <a:t>四级</a:t>
             </a:r>
+            <a:endParaRPr kumimoji="1" lang="zh-CN" altLang="en-US" smtClean="0"/>
           </a:p>
           <a:p>
             <a:pPr lvl="4"/>
@@ -885,7 +1273,6 @@
           <a:p>
             <a:fld id="{AA64E840-1E39-4F45-8438-C853AA91E187}" type="datetimeFigureOut">
               <a:rPr kumimoji="1" lang="zh-CN" altLang="en-US" smtClean="0"/>
-              <a:t>2018/11/10</a:t>
             </a:fld>
             <a:endParaRPr kumimoji="1" lang="zh-CN" altLang="en-US"/>
           </a:p>
@@ -927,18 +1314,12 @@
           <a:p>
             <a:fld id="{55A6692D-514C-5344-BDF0-1A07AF8193F0}" type="slidenum">
               <a:rPr kumimoji="1" lang="zh-CN" altLang="en-US" smtClean="0"/>
-              <a:t>‹#›</a:t>
             </a:fld>
             <a:endParaRPr kumimoji="1" lang="zh-CN" altLang="en-US"/>
           </a:p>
         </p:txBody>
       </p:sp>
     </p:spTree>
-    <p:extLst>
-      <p:ext uri="{BB962C8B-B14F-4D97-AF65-F5344CB8AC3E}">
-        <p14:creationId xmlns:p14="http://schemas.microsoft.com/office/powerpoint/2010/main" val="874046579"/>
-      </p:ext>
-    </p:extLst>
   </p:cSld>
   <p:clrMapOvr>
     <a:masterClrMapping/>
@@ -1111,6 +1492,7 @@
               <a:rPr kumimoji="1" lang="zh-CN" altLang="en-US" smtClean="0"/>
               <a:t>单击此处编辑母版文本样式</a:t>
             </a:r>
+            <a:endParaRPr kumimoji="1" lang="zh-CN" altLang="en-US" smtClean="0"/>
           </a:p>
         </p:txBody>
       </p:sp>
@@ -1131,7 +1513,6 @@
           <a:p>
             <a:fld id="{AA64E840-1E39-4F45-8438-C853AA91E187}" type="datetimeFigureOut">
               <a:rPr kumimoji="1" lang="zh-CN" altLang="en-US" smtClean="0"/>
-              <a:t>2018/11/10</a:t>
             </a:fld>
             <a:endParaRPr kumimoji="1" lang="zh-CN" altLang="en-US"/>
           </a:p>
@@ -1173,18 +1554,12 @@
           <a:p>
             <a:fld id="{55A6692D-514C-5344-BDF0-1A07AF8193F0}" type="slidenum">
               <a:rPr kumimoji="1" lang="zh-CN" altLang="en-US" smtClean="0"/>
-              <a:t>‹#›</a:t>
             </a:fld>
             <a:endParaRPr kumimoji="1" lang="zh-CN" altLang="en-US"/>
           </a:p>
         </p:txBody>
       </p:sp>
     </p:spTree>
-    <p:extLst>
-      <p:ext uri="{BB962C8B-B14F-4D97-AF65-F5344CB8AC3E}">
-        <p14:creationId xmlns:p14="http://schemas.microsoft.com/office/powerpoint/2010/main" val="1312707773"/>
-      </p:ext>
-    </p:extLst>
   </p:cSld>
   <p:clrMapOvr>
     <a:masterClrMapping/>
@@ -1257,6 +1632,7 @@
               <a:rPr kumimoji="1" lang="zh-CN" altLang="en-US" smtClean="0"/>
               <a:t>单击此处编辑母版文本样式</a:t>
             </a:r>
+            <a:endParaRPr kumimoji="1" lang="zh-CN" altLang="en-US" smtClean="0"/>
           </a:p>
           <a:p>
             <a:pPr lvl="1"/>
@@ -1264,6 +1640,7 @@
               <a:rPr kumimoji="1" lang="zh-CN" altLang="en-US" smtClean="0"/>
               <a:t>二级</a:t>
             </a:r>
+            <a:endParaRPr kumimoji="1" lang="zh-CN" altLang="en-US" smtClean="0"/>
           </a:p>
           <a:p>
             <a:pPr lvl="2"/>
@@ -1271,6 +1648,7 @@
               <a:rPr kumimoji="1" lang="zh-CN" altLang="en-US" smtClean="0"/>
               <a:t>三级</a:t>
             </a:r>
+            <a:endParaRPr kumimoji="1" lang="zh-CN" altLang="en-US" smtClean="0"/>
           </a:p>
           <a:p>
             <a:pPr lvl="3"/>
@@ -1278,6 +1656,7 @@
               <a:rPr kumimoji="1" lang="zh-CN" altLang="en-US" smtClean="0"/>
               <a:t>四级</a:t>
             </a:r>
+            <a:endParaRPr kumimoji="1" lang="zh-CN" altLang="en-US" smtClean="0"/>
           </a:p>
           <a:p>
             <a:pPr lvl="4"/>
@@ -1314,6 +1693,7 @@
               <a:rPr kumimoji="1" lang="zh-CN" altLang="en-US" smtClean="0"/>
               <a:t>单击此处编辑母版文本样式</a:t>
             </a:r>
+            <a:endParaRPr kumimoji="1" lang="zh-CN" altLang="en-US" smtClean="0"/>
           </a:p>
           <a:p>
             <a:pPr lvl="1"/>
@@ -1321,6 +1701,7 @@
               <a:rPr kumimoji="1" lang="zh-CN" altLang="en-US" smtClean="0"/>
               <a:t>二级</a:t>
             </a:r>
+            <a:endParaRPr kumimoji="1" lang="zh-CN" altLang="en-US" smtClean="0"/>
           </a:p>
           <a:p>
             <a:pPr lvl="2"/>
@@ -1328,6 +1709,7 @@
               <a:rPr kumimoji="1" lang="zh-CN" altLang="en-US" smtClean="0"/>
               <a:t>三级</a:t>
             </a:r>
+            <a:endParaRPr kumimoji="1" lang="zh-CN" altLang="en-US" smtClean="0"/>
           </a:p>
           <a:p>
             <a:pPr lvl="3"/>
@@ -1335,6 +1717,7 @@
               <a:rPr kumimoji="1" lang="zh-CN" altLang="en-US" smtClean="0"/>
               <a:t>四级</a:t>
             </a:r>
+            <a:endParaRPr kumimoji="1" lang="zh-CN" altLang="en-US" smtClean="0"/>
           </a:p>
           <a:p>
             <a:pPr lvl="4"/>
@@ -1363,7 +1746,6 @@
           <a:p>
             <a:fld id="{AA64E840-1E39-4F45-8438-C853AA91E187}" type="datetimeFigureOut">
               <a:rPr kumimoji="1" lang="zh-CN" altLang="en-US" smtClean="0"/>
-              <a:t>2018/11/10</a:t>
             </a:fld>
             <a:endParaRPr kumimoji="1" lang="zh-CN" altLang="en-US"/>
           </a:p>
@@ -1405,18 +1787,12 @@
           <a:p>
             <a:fld id="{55A6692D-514C-5344-BDF0-1A07AF8193F0}" type="slidenum">
               <a:rPr kumimoji="1" lang="zh-CN" altLang="en-US" smtClean="0"/>
-              <a:t>‹#›</a:t>
             </a:fld>
             <a:endParaRPr kumimoji="1" lang="zh-CN" altLang="en-US"/>
           </a:p>
         </p:txBody>
       </p:sp>
     </p:spTree>
-    <p:extLst>
-      <p:ext uri="{BB962C8B-B14F-4D97-AF65-F5344CB8AC3E}">
-        <p14:creationId xmlns:p14="http://schemas.microsoft.com/office/powerpoint/2010/main" val="1580035180"/>
-      </p:ext>
-    </p:extLst>
   </p:cSld>
   <p:clrMapOvr>
     <a:masterClrMapping/>
@@ -1531,6 +1907,7 @@
               <a:rPr kumimoji="1" lang="zh-CN" altLang="en-US" smtClean="0"/>
               <a:t>单击此处编辑母版文本样式</a:t>
             </a:r>
+            <a:endParaRPr kumimoji="1" lang="zh-CN" altLang="en-US" smtClean="0"/>
           </a:p>
         </p:txBody>
       </p:sp>
@@ -1559,6 +1936,7 @@
               <a:rPr kumimoji="1" lang="zh-CN" altLang="en-US" smtClean="0"/>
               <a:t>单击此处编辑母版文本样式</a:t>
             </a:r>
+            <a:endParaRPr kumimoji="1" lang="zh-CN" altLang="en-US" smtClean="0"/>
           </a:p>
           <a:p>
             <a:pPr lvl="1"/>
@@ -1566,6 +1944,7 @@
               <a:rPr kumimoji="1" lang="zh-CN" altLang="en-US" smtClean="0"/>
               <a:t>二级</a:t>
             </a:r>
+            <a:endParaRPr kumimoji="1" lang="zh-CN" altLang="en-US" smtClean="0"/>
           </a:p>
           <a:p>
             <a:pPr lvl="2"/>
@@ -1573,6 +1952,7 @@
               <a:rPr kumimoji="1" lang="zh-CN" altLang="en-US" smtClean="0"/>
               <a:t>三级</a:t>
             </a:r>
+            <a:endParaRPr kumimoji="1" lang="zh-CN" altLang="en-US" smtClean="0"/>
           </a:p>
           <a:p>
             <a:pPr lvl="3"/>
@@ -1580,6 +1960,7 @@
               <a:rPr kumimoji="1" lang="zh-CN" altLang="en-US" smtClean="0"/>
               <a:t>四级</a:t>
             </a:r>
+            <a:endParaRPr kumimoji="1" lang="zh-CN" altLang="en-US" smtClean="0"/>
           </a:p>
           <a:p>
             <a:pPr lvl="4"/>
@@ -1653,6 +2034,7 @@
               <a:rPr kumimoji="1" lang="zh-CN" altLang="en-US" smtClean="0"/>
               <a:t>单击此处编辑母版文本样式</a:t>
             </a:r>
+            <a:endParaRPr kumimoji="1" lang="zh-CN" altLang="en-US" smtClean="0"/>
           </a:p>
         </p:txBody>
       </p:sp>
@@ -1681,6 +2063,7 @@
               <a:rPr kumimoji="1" lang="zh-CN" altLang="en-US" smtClean="0"/>
               <a:t>单击此处编辑母版文本样式</a:t>
             </a:r>
+            <a:endParaRPr kumimoji="1" lang="zh-CN" altLang="en-US" smtClean="0"/>
           </a:p>
           <a:p>
             <a:pPr lvl="1"/>
@@ -1688,6 +2071,7 @@
               <a:rPr kumimoji="1" lang="zh-CN" altLang="en-US" smtClean="0"/>
               <a:t>二级</a:t>
             </a:r>
+            <a:endParaRPr kumimoji="1" lang="zh-CN" altLang="en-US" smtClean="0"/>
           </a:p>
           <a:p>
             <a:pPr lvl="2"/>
@@ -1695,6 +2079,7 @@
               <a:rPr kumimoji="1" lang="zh-CN" altLang="en-US" smtClean="0"/>
               <a:t>三级</a:t>
             </a:r>
+            <a:endParaRPr kumimoji="1" lang="zh-CN" altLang="en-US" smtClean="0"/>
           </a:p>
           <a:p>
             <a:pPr lvl="3"/>
@@ -1702,6 +2087,7 @@
               <a:rPr kumimoji="1" lang="zh-CN" altLang="en-US" smtClean="0"/>
               <a:t>四级</a:t>
             </a:r>
+            <a:endParaRPr kumimoji="1" lang="zh-CN" altLang="en-US" smtClean="0"/>
           </a:p>
           <a:p>
             <a:pPr lvl="4"/>
@@ -1730,7 +2116,6 @@
           <a:p>
             <a:fld id="{AA64E840-1E39-4F45-8438-C853AA91E187}" type="datetimeFigureOut">
               <a:rPr kumimoji="1" lang="zh-CN" altLang="en-US" smtClean="0"/>
-              <a:t>2018/11/10</a:t>
             </a:fld>
             <a:endParaRPr kumimoji="1" lang="zh-CN" altLang="en-US"/>
           </a:p>
@@ -1772,18 +2157,12 @@
           <a:p>
             <a:fld id="{55A6692D-514C-5344-BDF0-1A07AF8193F0}" type="slidenum">
               <a:rPr kumimoji="1" lang="zh-CN" altLang="en-US" smtClean="0"/>
-              <a:t>‹#›</a:t>
             </a:fld>
             <a:endParaRPr kumimoji="1" lang="zh-CN" altLang="en-US"/>
           </a:p>
         </p:txBody>
       </p:sp>
     </p:spTree>
-    <p:extLst>
-      <p:ext uri="{BB962C8B-B14F-4D97-AF65-F5344CB8AC3E}">
-        <p14:creationId xmlns:p14="http://schemas.microsoft.com/office/powerpoint/2010/main" val="2015975105"/>
-      </p:ext>
-    </p:extLst>
   </p:cSld>
   <p:clrMapOvr>
     <a:masterClrMapping/>
@@ -1848,7 +2227,6 @@
           <a:p>
             <a:fld id="{AA64E840-1E39-4F45-8438-C853AA91E187}" type="datetimeFigureOut">
               <a:rPr kumimoji="1" lang="zh-CN" altLang="en-US" smtClean="0"/>
-              <a:t>2018/11/10</a:t>
             </a:fld>
             <a:endParaRPr kumimoji="1" lang="zh-CN" altLang="en-US"/>
           </a:p>
@@ -1890,18 +2268,12 @@
           <a:p>
             <a:fld id="{55A6692D-514C-5344-BDF0-1A07AF8193F0}" type="slidenum">
               <a:rPr kumimoji="1" lang="zh-CN" altLang="en-US" smtClean="0"/>
-              <a:t>‹#›</a:t>
             </a:fld>
             <a:endParaRPr kumimoji="1" lang="zh-CN" altLang="en-US"/>
           </a:p>
         </p:txBody>
       </p:sp>
     </p:spTree>
-    <p:extLst>
-      <p:ext uri="{BB962C8B-B14F-4D97-AF65-F5344CB8AC3E}">
-        <p14:creationId xmlns:p14="http://schemas.microsoft.com/office/powerpoint/2010/main" val="1644091016"/>
-      </p:ext>
-    </p:extLst>
   </p:cSld>
   <p:clrMapOvr>
     <a:masterClrMapping/>
@@ -1943,7 +2315,6 @@
           <a:p>
             <a:fld id="{AA64E840-1E39-4F45-8438-C853AA91E187}" type="datetimeFigureOut">
               <a:rPr kumimoji="1" lang="zh-CN" altLang="en-US" smtClean="0"/>
-              <a:t>2018/11/10</a:t>
             </a:fld>
             <a:endParaRPr kumimoji="1" lang="zh-CN" altLang="en-US"/>
           </a:p>
@@ -1985,18 +2356,12 @@
           <a:p>
             <a:fld id="{55A6692D-514C-5344-BDF0-1A07AF8193F0}" type="slidenum">
               <a:rPr kumimoji="1" lang="zh-CN" altLang="en-US" smtClean="0"/>
-              <a:t>‹#›</a:t>
             </a:fld>
             <a:endParaRPr kumimoji="1" lang="zh-CN" altLang="en-US"/>
           </a:p>
         </p:txBody>
       </p:sp>
     </p:spTree>
-    <p:extLst>
-      <p:ext uri="{BB962C8B-B14F-4D97-AF65-F5344CB8AC3E}">
-        <p14:creationId xmlns:p14="http://schemas.microsoft.com/office/powerpoint/2010/main" val="565619963"/>
-      </p:ext>
-    </p:extLst>
   </p:cSld>
   <p:clrMapOvr>
     <a:masterClrMapping/>
@@ -2106,6 +2471,7 @@
               <a:rPr kumimoji="1" lang="zh-CN" altLang="en-US" smtClean="0"/>
               <a:t>单击此处编辑母版文本样式</a:t>
             </a:r>
+            <a:endParaRPr kumimoji="1" lang="zh-CN" altLang="en-US" smtClean="0"/>
           </a:p>
           <a:p>
             <a:pPr lvl="1"/>
@@ -2113,6 +2479,7 @@
               <a:rPr kumimoji="1" lang="zh-CN" altLang="en-US" smtClean="0"/>
               <a:t>二级</a:t>
             </a:r>
+            <a:endParaRPr kumimoji="1" lang="zh-CN" altLang="en-US" smtClean="0"/>
           </a:p>
           <a:p>
             <a:pPr lvl="2"/>
@@ -2120,6 +2487,7 @@
               <a:rPr kumimoji="1" lang="zh-CN" altLang="en-US" smtClean="0"/>
               <a:t>三级</a:t>
             </a:r>
+            <a:endParaRPr kumimoji="1" lang="zh-CN" altLang="en-US" smtClean="0"/>
           </a:p>
           <a:p>
             <a:pPr lvl="3"/>
@@ -2127,6 +2495,7 @@
               <a:rPr kumimoji="1" lang="zh-CN" altLang="en-US" smtClean="0"/>
               <a:t>四级</a:t>
             </a:r>
+            <a:endParaRPr kumimoji="1" lang="zh-CN" altLang="en-US" smtClean="0"/>
           </a:p>
           <a:p>
             <a:pPr lvl="4"/>
@@ -2200,6 +2569,7 @@
               <a:rPr kumimoji="1" lang="zh-CN" altLang="en-US" smtClean="0"/>
               <a:t>单击此处编辑母版文本样式</a:t>
             </a:r>
+            <a:endParaRPr kumimoji="1" lang="zh-CN" altLang="en-US" smtClean="0"/>
           </a:p>
         </p:txBody>
       </p:sp>
@@ -2220,7 +2590,6 @@
           <a:p>
             <a:fld id="{AA64E840-1E39-4F45-8438-C853AA91E187}" type="datetimeFigureOut">
               <a:rPr kumimoji="1" lang="zh-CN" altLang="en-US" smtClean="0"/>
-              <a:t>2018/11/10</a:t>
             </a:fld>
             <a:endParaRPr kumimoji="1" lang="zh-CN" altLang="en-US"/>
           </a:p>
@@ -2262,18 +2631,12 @@
           <a:p>
             <a:fld id="{55A6692D-514C-5344-BDF0-1A07AF8193F0}" type="slidenum">
               <a:rPr kumimoji="1" lang="zh-CN" altLang="en-US" smtClean="0"/>
-              <a:t>‹#›</a:t>
             </a:fld>
             <a:endParaRPr kumimoji="1" lang="zh-CN" altLang="en-US"/>
           </a:p>
         </p:txBody>
       </p:sp>
     </p:spTree>
-    <p:extLst>
-      <p:ext uri="{BB962C8B-B14F-4D97-AF65-F5344CB8AC3E}">
-        <p14:creationId xmlns:p14="http://schemas.microsoft.com/office/powerpoint/2010/main" val="1612096519"/>
-      </p:ext>
-    </p:extLst>
   </p:cSld>
   <p:clrMapOvr>
     <a:masterClrMapping/>
@@ -2453,6 +2816,7 @@
               <a:rPr kumimoji="1" lang="zh-CN" altLang="en-US" smtClean="0"/>
               <a:t>单击此处编辑母版文本样式</a:t>
             </a:r>
+            <a:endParaRPr kumimoji="1" lang="zh-CN" altLang="en-US" smtClean="0"/>
           </a:p>
         </p:txBody>
       </p:sp>
@@ -2473,7 +2837,6 @@
           <a:p>
             <a:fld id="{AA64E840-1E39-4F45-8438-C853AA91E187}" type="datetimeFigureOut">
               <a:rPr kumimoji="1" lang="zh-CN" altLang="en-US" smtClean="0"/>
-              <a:t>2018/11/10</a:t>
             </a:fld>
             <a:endParaRPr kumimoji="1" lang="zh-CN" altLang="en-US"/>
           </a:p>
@@ -2515,18 +2878,12 @@
           <a:p>
             <a:fld id="{55A6692D-514C-5344-BDF0-1A07AF8193F0}" type="slidenum">
               <a:rPr kumimoji="1" lang="zh-CN" altLang="en-US" smtClean="0"/>
-              <a:t>‹#›</a:t>
             </a:fld>
             <a:endParaRPr kumimoji="1" lang="zh-CN" altLang="en-US"/>
           </a:p>
         </p:txBody>
       </p:sp>
     </p:spTree>
-    <p:extLst>
-      <p:ext uri="{BB962C8B-B14F-4D97-AF65-F5344CB8AC3E}">
-        <p14:creationId xmlns:p14="http://schemas.microsoft.com/office/powerpoint/2010/main" val="1852504281"/>
-      </p:ext>
-    </p:extLst>
   </p:cSld>
   <p:clrMapOvr>
     <a:masterClrMapping/>
@@ -2619,6 +2976,7 @@
               <a:rPr kumimoji="1" lang="zh-CN" altLang="en-US" smtClean="0"/>
               <a:t>单击此处编辑母版文本样式</a:t>
             </a:r>
+            <a:endParaRPr kumimoji="1" lang="zh-CN" altLang="en-US" smtClean="0"/>
           </a:p>
           <a:p>
             <a:pPr lvl="1"/>
@@ -2626,6 +2984,7 @@
               <a:rPr kumimoji="1" lang="zh-CN" altLang="en-US" smtClean="0"/>
               <a:t>二级</a:t>
             </a:r>
+            <a:endParaRPr kumimoji="1" lang="zh-CN" altLang="en-US" smtClean="0"/>
           </a:p>
           <a:p>
             <a:pPr lvl="2"/>
@@ -2633,6 +2992,7 @@
               <a:rPr kumimoji="1" lang="zh-CN" altLang="en-US" smtClean="0"/>
               <a:t>三级</a:t>
             </a:r>
+            <a:endParaRPr kumimoji="1" lang="zh-CN" altLang="en-US" smtClean="0"/>
           </a:p>
           <a:p>
             <a:pPr lvl="3"/>
@@ -2640,6 +3000,7 @@
               <a:rPr kumimoji="1" lang="zh-CN" altLang="en-US" smtClean="0"/>
               <a:t>四级</a:t>
             </a:r>
+            <a:endParaRPr kumimoji="1" lang="zh-CN" altLang="en-US" smtClean="0"/>
           </a:p>
           <a:p>
             <a:pPr lvl="4"/>
@@ -2686,7 +3047,6 @@
           <a:p>
             <a:fld id="{AA64E840-1E39-4F45-8438-C853AA91E187}" type="datetimeFigureOut">
               <a:rPr kumimoji="1" lang="zh-CN" altLang="en-US" smtClean="0"/>
-              <a:t>2018/11/10</a:t>
             </a:fld>
             <a:endParaRPr kumimoji="1" lang="zh-CN" altLang="en-US"/>
           </a:p>
@@ -2764,18 +3124,12 @@
           <a:p>
             <a:fld id="{55A6692D-514C-5344-BDF0-1A07AF8193F0}" type="slidenum">
               <a:rPr kumimoji="1" lang="zh-CN" altLang="en-US" smtClean="0"/>
-              <a:t>‹#›</a:t>
             </a:fld>
             <a:endParaRPr kumimoji="1" lang="zh-CN" altLang="en-US"/>
           </a:p>
         </p:txBody>
       </p:sp>
     </p:spTree>
-    <p:extLst>
-      <p:ext uri="{BB962C8B-B14F-4D97-AF65-F5344CB8AC3E}">
-        <p14:creationId xmlns:p14="http://schemas.microsoft.com/office/powerpoint/2010/main" val="2112727353"/>
-      </p:ext>
-    </p:extLst>
   </p:cSld>
   <p:clrMap bg1="lt1" tx1="dk1" bg2="lt2" tx2="dk2" accent1="accent1" accent2="accent2" accent3="accent3" accent4="accent4" accent5="accent5" accent6="accent6" hlink="hlink" folHlink="folHlink"/>
   <p:sldLayoutIdLst>
@@ -2820,7 +3174,7 @@
         <a:spcBef>
           <a:spcPts val="1000"/>
         </a:spcBef>
-        <a:buFont typeface="Arial"/>
+        <a:buFont typeface="Arial" panose="020B0604020202020204"/>
         <a:buChar char="•"/>
         <a:defRPr sz="2800" kern="1200">
           <a:solidFill>
@@ -2838,7 +3192,7 @@
         <a:spcBef>
           <a:spcPts val="500"/>
         </a:spcBef>
-        <a:buFont typeface="Arial"/>
+        <a:buFont typeface="Arial" panose="020B0604020202020204"/>
         <a:buChar char="•"/>
         <a:defRPr sz="2400" kern="1200">
           <a:solidFill>
@@ -2856,7 +3210,7 @@
         <a:spcBef>
           <a:spcPts val="500"/>
         </a:spcBef>
-        <a:buFont typeface="Arial"/>
+        <a:buFont typeface="Arial" panose="020B0604020202020204"/>
         <a:buChar char="•"/>
         <a:defRPr sz="2000" kern="1200">
           <a:solidFill>
@@ -2874,7 +3228,7 @@
         <a:spcBef>
           <a:spcPts val="500"/>
         </a:spcBef>
-        <a:buFont typeface="Arial"/>
+        <a:buFont typeface="Arial" panose="020B0604020202020204"/>
         <a:buChar char="•"/>
         <a:defRPr sz="1800" kern="1200">
           <a:solidFill>
@@ -2892,7 +3246,7 @@
         <a:spcBef>
           <a:spcPts val="500"/>
         </a:spcBef>
-        <a:buFont typeface="Arial"/>
+        <a:buFont typeface="Arial" panose="020B0604020202020204"/>
         <a:buChar char="•"/>
         <a:defRPr sz="1800" kern="1200">
           <a:solidFill>
@@ -2910,7 +3264,7 @@
         <a:spcBef>
           <a:spcPts val="500"/>
         </a:spcBef>
-        <a:buFont typeface="Arial"/>
+        <a:buFont typeface="Arial" panose="020B0604020202020204"/>
         <a:buChar char="•"/>
         <a:defRPr sz="1800" kern="1200">
           <a:solidFill>
@@ -2928,7 +3282,7 @@
         <a:spcBef>
           <a:spcPts val="500"/>
         </a:spcBef>
-        <a:buFont typeface="Arial"/>
+        <a:buFont typeface="Arial" panose="020B0604020202020204"/>
         <a:buChar char="•"/>
         <a:defRPr sz="1800" kern="1200">
           <a:solidFill>
@@ -2946,7 +3300,7 @@
         <a:spcBef>
           <a:spcPts val="500"/>
         </a:spcBef>
-        <a:buFont typeface="Arial"/>
+        <a:buFont typeface="Arial" panose="020B0604020202020204"/>
         <a:buChar char="•"/>
         <a:defRPr sz="1800" kern="1200">
           <a:solidFill>
@@ -2964,7 +3318,7 @@
         <a:spcBef>
           <a:spcPts val="500"/>
         </a:spcBef>
-        <a:buFont typeface="Arial"/>
+        <a:buFont typeface="Arial" panose="020B0604020202020204"/>
         <a:buChar char="•"/>
         <a:defRPr sz="1800" kern="1200">
           <a:solidFill>
@@ -3107,7 +3461,19 @@
           <a:bodyPr/>
           <a:lstStyle/>
           <a:p>
-            <a:endParaRPr kumimoji="1" lang="zh-CN" altLang="en-US"/>
+            <a:r>
+              <a:rPr kumimoji="1" lang="en-US" altLang="zh-CN" sz="3200"/>
+              <a:t>Recent Developments for</a:t>
+            </a:r>
+            <a:r>
+              <a:rPr kumimoji="1" lang="en-US" altLang="zh-CN"/>
+              <a:t> </a:t>
+            </a:r>
+            <a:r>
+              <a:rPr kumimoji="1" lang="en-US" altLang="zh-CN" sz="3200"/>
+              <a:t>Black-Box Adversarial Attack</a:t>
+            </a:r>
+            <a:endParaRPr kumimoji="1" lang="en-US" altLang="zh-CN" sz="3200"/>
           </a:p>
         </p:txBody>
       </p:sp>
@@ -3131,11 +3497,201 @@
         </p:txBody>
       </p:sp>
     </p:spTree>
-    <p:extLst>
-      <p:ext uri="{BB962C8B-B14F-4D97-AF65-F5344CB8AC3E}">
-        <p14:creationId xmlns:p14="http://schemas.microsoft.com/office/powerpoint/2010/main" val="2068427043"/>
-      </p:ext>
-    </p:extLst>
+  </p:cSld>
+  <p:clrMapOvr>
+    <a:masterClrMapping/>
+  </p:clrMapOvr>
+</p:sld>
+</file>
+
+<file path=ppt/slides/slide10.xml><?xml version="1.0" encoding="utf-8"?>
+<p:sld xmlns:a="http://schemas.openxmlformats.org/drawingml/2006/main" xmlns:r="http://schemas.openxmlformats.org/officeDocument/2006/relationships" xmlns:p="http://schemas.openxmlformats.org/presentationml/2006/main">
+  <p:cSld>
+    <p:spTree>
+      <p:nvGrpSpPr>
+        <p:cNvPr id="1" name=""/>
+        <p:cNvGrpSpPr/>
+        <p:nvPr/>
+      </p:nvGrpSpPr>
+      <p:grpSpPr/>
+      <p:sp>
+        <p:nvSpPr>
+          <p:cNvPr id="2" name="标题 1"/>
+          <p:cNvSpPr>
+            <a:spLocks noGrp="1"/>
+          </p:cNvSpPr>
+          <p:nvPr>
+            <p:ph type="title"/>
+          </p:nvPr>
+        </p:nvSpPr>
+        <p:spPr/>
+        <p:txBody>
+          <a:bodyPr/>
+          <a:p>
+            <a:r>
+              <a:rPr lang="en-US" altLang="zh-CN"/>
+              <a:t>Defenses </a:t>
+            </a:r>
+            <a:endParaRPr lang="en-US" altLang="zh-CN"/>
+          </a:p>
+        </p:txBody>
+      </p:sp>
+      <p:sp>
+        <p:nvSpPr>
+          <p:cNvPr id="3" name="内容占位符 2"/>
+          <p:cNvSpPr>
+            <a:spLocks noGrp="1"/>
+          </p:cNvSpPr>
+          <p:nvPr>
+            <p:ph idx="1"/>
+          </p:nvPr>
+        </p:nvSpPr>
+        <p:spPr/>
+        <p:txBody>
+          <a:bodyPr>
+            <a:normAutofit lnSpcReduction="10000"/>
+          </a:bodyPr>
+          <a:p>
+            <a:r>
+              <a:rPr lang="en-US" altLang="zh-CN"/>
+              <a:t>(ensemble) </a:t>
+            </a:r>
+            <a:r>
+              <a:rPr lang="zh-CN" altLang="en-US"/>
+              <a:t>adversarial training</a:t>
+            </a:r>
+            <a:endParaRPr lang="zh-CN" altLang="en-US"/>
+          </a:p>
+          <a:p>
+            <a:r>
+              <a:rPr lang="zh-CN" altLang="en-US"/>
+              <a:t>non-differentiable, randomized input transformation defenses</a:t>
+            </a:r>
+            <a:endParaRPr lang="zh-CN" altLang="en-US"/>
+          </a:p>
+          <a:p>
+            <a:r>
+              <a:rPr lang="zh-CN" altLang="en-US"/>
+              <a:t>gradient masking</a:t>
+            </a:r>
+            <a:endParaRPr lang="zh-CN" altLang="en-US"/>
+          </a:p>
+          <a:p>
+            <a:r>
+              <a:rPr lang="zh-CN" altLang="en-US"/>
+              <a:t>saturated sigmoid network</a:t>
+            </a:r>
+            <a:endParaRPr lang="zh-CN" altLang="en-US"/>
+          </a:p>
+          <a:p>
+            <a:r>
+              <a:rPr lang="zh-CN" altLang="en-US"/>
+              <a:t>defensive distillation</a:t>
+            </a:r>
+            <a:endParaRPr lang="zh-CN" altLang="en-US"/>
+          </a:p>
+        </p:txBody>
+      </p:sp>
+    </p:spTree>
+  </p:cSld>
+  <p:clrMapOvr>
+    <a:masterClrMapping/>
+  </p:clrMapOvr>
+</p:sld>
+</file>
+
+<file path=ppt/slides/slide11.xml><?xml version="1.0" encoding="utf-8"?>
+<p:sld xmlns:a="http://schemas.openxmlformats.org/drawingml/2006/main" xmlns:r="http://schemas.openxmlformats.org/officeDocument/2006/relationships" xmlns:p="http://schemas.openxmlformats.org/presentationml/2006/main">
+  <p:cSld>
+    <p:spTree>
+      <p:nvGrpSpPr>
+        <p:cNvPr id="1" name=""/>
+        <p:cNvGrpSpPr/>
+        <p:nvPr/>
+      </p:nvGrpSpPr>
+      <p:grpSpPr/>
+      <p:sp>
+        <p:nvSpPr>
+          <p:cNvPr id="2" name="标题 1"/>
+          <p:cNvSpPr>
+            <a:spLocks noGrp="1"/>
+          </p:cNvSpPr>
+          <p:nvPr>
+            <p:ph type="title"/>
+          </p:nvPr>
+        </p:nvSpPr>
+        <p:spPr>
+          <a:xfrm>
+            <a:off x="2612390" y="2629535"/>
+            <a:ext cx="10515600" cy="1325563"/>
+          </a:xfrm>
+        </p:spPr>
+        <p:txBody>
+          <a:bodyPr/>
+          <a:p>
+            <a:r>
+              <a:rPr lang="en-US" altLang="zh-CN"/>
+              <a:t>Black-Box Adversarial Attack</a:t>
+            </a:r>
+            <a:endParaRPr lang="en-US" altLang="zh-CN"/>
+          </a:p>
+        </p:txBody>
+      </p:sp>
+    </p:spTree>
+  </p:cSld>
+  <p:clrMapOvr>
+    <a:masterClrMapping/>
+  </p:clrMapOvr>
+</p:sld>
+</file>
+
+<file path=ppt/slides/slide12.xml><?xml version="1.0" encoding="utf-8"?>
+<p:sld xmlns:a="http://schemas.openxmlformats.org/drawingml/2006/main" xmlns:r="http://schemas.openxmlformats.org/officeDocument/2006/relationships" xmlns:p="http://schemas.openxmlformats.org/presentationml/2006/main">
+  <p:cSld>
+    <p:spTree>
+      <p:nvGrpSpPr>
+        <p:cNvPr id="1" name=""/>
+        <p:cNvGrpSpPr/>
+        <p:nvPr/>
+      </p:nvGrpSpPr>
+      <p:grpSpPr/>
+      <p:sp>
+        <p:nvSpPr>
+          <p:cNvPr id="2" name="标题 1"/>
+          <p:cNvSpPr>
+            <a:spLocks noGrp="1"/>
+          </p:cNvSpPr>
+          <p:nvPr>
+            <p:ph type="title"/>
+          </p:nvPr>
+        </p:nvSpPr>
+        <p:spPr/>
+        <p:txBody>
+          <a:bodyPr/>
+          <a:p>
+            <a:endParaRPr lang="zh-CN" altLang="en-US"/>
+          </a:p>
+        </p:txBody>
+      </p:sp>
+      <p:sp>
+        <p:nvSpPr>
+          <p:cNvPr id="3" name="内容占位符 2"/>
+          <p:cNvSpPr>
+            <a:spLocks noGrp="1"/>
+          </p:cNvSpPr>
+          <p:nvPr>
+            <p:ph idx="1"/>
+          </p:nvPr>
+        </p:nvSpPr>
+        <p:spPr/>
+        <p:txBody>
+          <a:bodyPr/>
+          <a:p>
+            <a:endParaRPr lang="zh-CN" altLang="en-US"/>
+          </a:p>
+        </p:txBody>
+      </p:sp>
+    </p:spTree>
   </p:cSld>
   <p:clrMapOvr>
     <a:masterClrMapping/>
@@ -3176,10 +3732,10 @@
           <a:lstStyle/>
           <a:p>
             <a:r>
-              <a:rPr kumimoji="1" lang="en-US" altLang="zh-CN" dirty="0" smtClean="0"/>
-              <a:t>Adversarial Criterion</a:t>
-            </a:r>
-            <a:endParaRPr kumimoji="1" lang="zh-CN" altLang="en-US" dirty="0"/>
+              <a:rPr kumimoji="1" lang="en-US" dirty="0" smtClean="0"/>
+              <a:t>Overview</a:t>
+            </a:r>
+            <a:endParaRPr kumimoji="1" lang="en-US" dirty="0"/>
           </a:p>
         </p:txBody>
       </p:sp>
@@ -3198,16 +3754,973 @@
           <a:bodyPr/>
           <a:lstStyle/>
           <a:p>
-            <a:endParaRPr kumimoji="1" lang="zh-CN" altLang="en-US"/>
+            <a:r>
+              <a:rPr kumimoji="1" lang="zh-CN" altLang="en-US"/>
+              <a:t>What are adversarial examples?</a:t>
+            </a:r>
+            <a:endParaRPr kumimoji="1" lang="zh-CN" altLang="en-US"/>
+          </a:p>
+          <a:p>
+            <a:r>
+              <a:rPr kumimoji="1" lang="zh-CN" altLang="en-US"/>
+              <a:t>Why do they happen?</a:t>
+            </a:r>
+            <a:endParaRPr kumimoji="1" lang="zh-CN" altLang="en-US"/>
+          </a:p>
+          <a:p>
+            <a:r>
+              <a:rPr kumimoji="1" lang="en-US" altLang="zh-CN"/>
+              <a:t>White-Box Adversarial Attack</a:t>
+            </a:r>
+            <a:endParaRPr kumimoji="1" lang="en-US" altLang="zh-CN"/>
+          </a:p>
+          <a:p>
+            <a:r>
+              <a:rPr kumimoji="1" lang="en-US" altLang="zh-CN"/>
+              <a:t>What are the defenses?</a:t>
+            </a:r>
+            <a:endParaRPr kumimoji="1" lang="en-US" altLang="zh-CN"/>
+          </a:p>
+          <a:p>
+            <a:r>
+              <a:rPr kumimoji="1" lang="en-US" altLang="zh-CN"/>
+              <a:t>Black-Box Adversarial Attack</a:t>
+            </a:r>
+            <a:endParaRPr kumimoji="1" lang="en-US" altLang="zh-CN"/>
           </a:p>
         </p:txBody>
       </p:sp>
     </p:spTree>
-    <p:extLst>
-      <p:ext uri="{BB962C8B-B14F-4D97-AF65-F5344CB8AC3E}">
-        <p14:creationId xmlns:p14="http://schemas.microsoft.com/office/powerpoint/2010/main" val="526726780"/>
-      </p:ext>
-    </p:extLst>
+  </p:cSld>
+  <p:clrMapOvr>
+    <a:masterClrMapping/>
+  </p:clrMapOvr>
+</p:sld>
+</file>
+
+<file path=ppt/slides/slide3.xml><?xml version="1.0" encoding="utf-8"?>
+<p:sld xmlns:a="http://schemas.openxmlformats.org/drawingml/2006/main" xmlns:r="http://schemas.openxmlformats.org/officeDocument/2006/relationships" xmlns:p="http://schemas.openxmlformats.org/presentationml/2006/main">
+  <p:cSld>
+    <p:spTree>
+      <p:nvGrpSpPr>
+        <p:cNvPr id="1" name=""/>
+        <p:cNvGrpSpPr/>
+        <p:nvPr/>
+      </p:nvGrpSpPr>
+      <p:grpSpPr/>
+      <p:sp>
+        <p:nvSpPr>
+          <p:cNvPr id="2" name="标题 1"/>
+          <p:cNvSpPr>
+            <a:spLocks noGrp="1"/>
+          </p:cNvSpPr>
+          <p:nvPr>
+            <p:ph type="title"/>
+          </p:nvPr>
+        </p:nvSpPr>
+        <p:spPr/>
+        <p:txBody>
+          <a:bodyPr/>
+          <a:p>
+            <a:r>
+              <a:rPr lang="en-US" altLang="zh-CN"/>
+              <a:t>Adversarial Example</a:t>
+            </a:r>
+            <a:endParaRPr lang="en-US" altLang="zh-CN"/>
+          </a:p>
+        </p:txBody>
+      </p:sp>
+      <p:pic>
+        <p:nvPicPr>
+          <p:cNvPr id="6" name="内容占位符 5"/>
+          <p:cNvPicPr>
+            <a:picLocks noChangeAspect="1"/>
+          </p:cNvPicPr>
+          <p:nvPr>
+            <p:ph idx="1"/>
+          </p:nvPr>
+        </p:nvPicPr>
+        <p:blipFill>
+          <a:blip r:embed="rId1"/>
+          <a:stretch>
+            <a:fillRect/>
+          </a:stretch>
+        </p:blipFill>
+        <p:spPr>
+          <a:xfrm>
+            <a:off x="838200" y="1530985"/>
+            <a:ext cx="8522970" cy="3271520"/>
+          </a:xfrm>
+          <a:prstGeom prst="rect">
+            <a:avLst/>
+          </a:prstGeom>
+        </p:spPr>
+      </p:pic>
+      <p:sp>
+        <p:nvSpPr>
+          <p:cNvPr id="7" name="页脚占位符 6"/>
+          <p:cNvSpPr>
+            <a:spLocks noGrp="1"/>
+          </p:cNvSpPr>
+          <p:nvPr>
+            <p:ph type="ftr" sz="quarter" idx="11"/>
+          </p:nvPr>
+        </p:nvSpPr>
+        <p:spPr>
+          <a:xfrm>
+            <a:off x="8863330" y="6482080"/>
+            <a:ext cx="4114800" cy="365125"/>
+          </a:xfrm>
+        </p:spPr>
+        <p:txBody>
+          <a:bodyPr/>
+          <a:p>
+            <a:r>
+              <a:rPr kumimoji="1" lang="zh-CN" altLang="en-US"/>
+              <a:t>Reference to Goodfellow's Lecture</a:t>
+            </a:r>
+            <a:endParaRPr kumimoji="1" lang="zh-CN" altLang="en-US"/>
+          </a:p>
+        </p:txBody>
+      </p:sp>
+      <p:sp>
+        <p:nvSpPr>
+          <p:cNvPr id="8" name="文本框 7"/>
+          <p:cNvSpPr txBox="1"/>
+          <p:nvPr/>
+        </p:nvSpPr>
+        <p:spPr>
+          <a:xfrm>
+            <a:off x="870585" y="4994275"/>
+            <a:ext cx="8941435" cy="1476375"/>
+          </a:xfrm>
+          <a:prstGeom prst="rect">
+            <a:avLst/>
+          </a:prstGeom>
+          <a:noFill/>
+        </p:spPr>
+        <p:txBody>
+          <a:bodyPr wrap="square" rtlCol="0">
+            <a:spAutoFit/>
+          </a:bodyPr>
+          <a:p>
+            <a:r>
+              <a:rPr lang="zh-CN" altLang="en-US"/>
+              <a:t>Timeline:</a:t>
+            </a:r>
+            <a:endParaRPr lang="zh-CN" altLang="en-US"/>
+          </a:p>
+          <a:p>
+            <a:r>
+              <a:rPr lang="zh-CN" altLang="en-US"/>
+              <a:t>“Adversarial Classification” Dalvi et al 2004: fool spam filter</a:t>
+            </a:r>
+            <a:endParaRPr lang="zh-CN" altLang="en-US"/>
+          </a:p>
+          <a:p>
+            <a:r>
+              <a:rPr lang="zh-CN" altLang="en-US"/>
+              <a:t>Biggio 2013: fool neural nets</a:t>
+            </a:r>
+            <a:endParaRPr lang="zh-CN" altLang="en-US"/>
+          </a:p>
+          <a:p>
+            <a:r>
+              <a:rPr lang="zh-CN" altLang="en-US"/>
+              <a:t>Szegedy et al 2013: fool ImageNet classifiers imperceptibly</a:t>
+            </a:r>
+            <a:endParaRPr lang="zh-CN" altLang="en-US"/>
+          </a:p>
+          <a:p>
+            <a:r>
+              <a:rPr lang="zh-CN" altLang="en-US"/>
+              <a:t>Goodfellow et al 2014: cheap, closed form attack</a:t>
+            </a:r>
+            <a:endParaRPr lang="zh-CN" altLang="en-US"/>
+          </a:p>
+        </p:txBody>
+      </p:sp>
+    </p:spTree>
+  </p:cSld>
+  <p:clrMapOvr>
+    <a:masterClrMapping/>
+  </p:clrMapOvr>
+</p:sld>
+</file>
+
+<file path=ppt/slides/slide4.xml><?xml version="1.0" encoding="utf-8"?>
+<p:sld xmlns:a="http://schemas.openxmlformats.org/drawingml/2006/main" xmlns:r="http://schemas.openxmlformats.org/officeDocument/2006/relationships" xmlns:p="http://schemas.openxmlformats.org/presentationml/2006/main">
+  <p:cSld>
+    <p:spTree>
+      <p:nvGrpSpPr>
+        <p:cNvPr id="1" name=""/>
+        <p:cNvGrpSpPr/>
+        <p:nvPr/>
+      </p:nvGrpSpPr>
+      <p:grpSpPr/>
+      <p:sp>
+        <p:nvSpPr>
+          <p:cNvPr id="2" name="标题 1"/>
+          <p:cNvSpPr>
+            <a:spLocks noGrp="1"/>
+          </p:cNvSpPr>
+          <p:nvPr>
+            <p:ph type="title"/>
+          </p:nvPr>
+        </p:nvSpPr>
+        <p:spPr/>
+        <p:txBody>
+          <a:bodyPr/>
+          <a:p>
+            <a:r>
+              <a:rPr lang="en-US" altLang="zh-CN"/>
+              <a:t>Turning Objects into “Airplanes”</a:t>
+            </a:r>
+            <a:endParaRPr lang="en-US" altLang="zh-CN"/>
+          </a:p>
+        </p:txBody>
+      </p:sp>
+      <p:sp>
+        <p:nvSpPr>
+          <p:cNvPr id="7" name="页脚占位符 6"/>
+          <p:cNvSpPr>
+            <a:spLocks noGrp="1"/>
+          </p:cNvSpPr>
+          <p:nvPr>
+            <p:ph type="ftr" sz="quarter" idx="11"/>
+          </p:nvPr>
+        </p:nvSpPr>
+        <p:spPr>
+          <a:xfrm>
+            <a:off x="8863330" y="6482080"/>
+            <a:ext cx="4114800" cy="365125"/>
+          </a:xfrm>
+        </p:spPr>
+        <p:txBody>
+          <a:bodyPr/>
+          <a:p>
+            <a:r>
+              <a:rPr kumimoji="1" lang="zh-CN" altLang="en-US"/>
+              <a:t>Reference to Goodfellow's Lecture</a:t>
+            </a:r>
+            <a:endParaRPr kumimoji="1" lang="zh-CN" altLang="en-US"/>
+          </a:p>
+        </p:txBody>
+      </p:sp>
+      <p:pic>
+        <p:nvPicPr>
+          <p:cNvPr id="4" name="内容占位符 3"/>
+          <p:cNvPicPr>
+            <a:picLocks noChangeAspect="1"/>
+          </p:cNvPicPr>
+          <p:nvPr>
+            <p:ph idx="1"/>
+          </p:nvPr>
+        </p:nvPicPr>
+        <p:blipFill>
+          <a:blip r:embed="rId1"/>
+          <a:stretch>
+            <a:fillRect/>
+          </a:stretch>
+        </p:blipFill>
+        <p:spPr>
+          <a:xfrm>
+            <a:off x="1089660" y="2053590"/>
+            <a:ext cx="2693035" cy="1835150"/>
+          </a:xfrm>
+          <a:prstGeom prst="rect">
+            <a:avLst/>
+          </a:prstGeom>
+        </p:spPr>
+      </p:pic>
+      <p:pic>
+        <p:nvPicPr>
+          <p:cNvPr id="5" name="图片 4"/>
+          <p:cNvPicPr>
+            <a:picLocks noChangeAspect="1"/>
+          </p:cNvPicPr>
+          <p:nvPr/>
+        </p:nvPicPr>
+        <p:blipFill>
+          <a:blip r:embed="rId2"/>
+          <a:stretch>
+            <a:fillRect/>
+          </a:stretch>
+        </p:blipFill>
+        <p:spPr>
+          <a:xfrm>
+            <a:off x="5445125" y="1980565"/>
+            <a:ext cx="2908935" cy="1981835"/>
+          </a:xfrm>
+          <a:prstGeom prst="rect">
+            <a:avLst/>
+          </a:prstGeom>
+        </p:spPr>
+      </p:pic>
+      <p:pic>
+        <p:nvPicPr>
+          <p:cNvPr id="6" name="图片 5"/>
+          <p:cNvPicPr>
+            <a:picLocks noChangeAspect="1"/>
+          </p:cNvPicPr>
+          <p:nvPr/>
+        </p:nvPicPr>
+        <p:blipFill>
+          <a:blip r:embed="rId3"/>
+          <a:stretch>
+            <a:fillRect/>
+          </a:stretch>
+        </p:blipFill>
+        <p:spPr>
+          <a:xfrm>
+            <a:off x="1089660" y="4068445"/>
+            <a:ext cx="3407410" cy="2321560"/>
+          </a:xfrm>
+          <a:prstGeom prst="rect">
+            <a:avLst/>
+          </a:prstGeom>
+        </p:spPr>
+      </p:pic>
+      <p:pic>
+        <p:nvPicPr>
+          <p:cNvPr id="8" name="图片 7"/>
+          <p:cNvPicPr>
+            <a:picLocks noChangeAspect="1"/>
+          </p:cNvPicPr>
+          <p:nvPr/>
+        </p:nvPicPr>
+        <p:blipFill>
+          <a:blip r:embed="rId4"/>
+          <a:stretch>
+            <a:fillRect/>
+          </a:stretch>
+        </p:blipFill>
+        <p:spPr>
+          <a:xfrm>
+            <a:off x="5445125" y="4420870"/>
+            <a:ext cx="3719195" cy="1884045"/>
+          </a:xfrm>
+          <a:prstGeom prst="rect">
+            <a:avLst/>
+          </a:prstGeom>
+        </p:spPr>
+      </p:pic>
+    </p:spTree>
+  </p:cSld>
+  <p:clrMapOvr>
+    <a:masterClrMapping/>
+  </p:clrMapOvr>
+</p:sld>
+</file>
+
+<file path=ppt/slides/slide5.xml><?xml version="1.0" encoding="utf-8"?>
+<p:sld xmlns:a="http://schemas.openxmlformats.org/drawingml/2006/main" xmlns:r="http://schemas.openxmlformats.org/officeDocument/2006/relationships" xmlns:p="http://schemas.openxmlformats.org/presentationml/2006/main">
+  <p:cSld>
+    <p:spTree>
+      <p:nvGrpSpPr>
+        <p:cNvPr id="1" name=""/>
+        <p:cNvGrpSpPr/>
+        <p:nvPr/>
+      </p:nvGrpSpPr>
+      <p:grpSpPr/>
+      <p:sp>
+        <p:nvSpPr>
+          <p:cNvPr id="2" name="标题 1"/>
+          <p:cNvSpPr>
+            <a:spLocks noGrp="1"/>
+          </p:cNvSpPr>
+          <p:nvPr>
+            <p:ph type="title"/>
+          </p:nvPr>
+        </p:nvSpPr>
+        <p:spPr/>
+        <p:txBody>
+          <a:bodyPr/>
+          <a:p>
+            <a:r>
+              <a:rPr lang="en-US" altLang="zh-CN"/>
+              <a:t>Definitions</a:t>
+            </a:r>
+            <a:endParaRPr lang="en-US" altLang="zh-CN"/>
+          </a:p>
+        </p:txBody>
+      </p:sp>
+      <p:sp>
+        <p:nvSpPr>
+          <p:cNvPr id="3" name="内容占位符 2"/>
+          <p:cNvSpPr>
+            <a:spLocks noGrp="1"/>
+          </p:cNvSpPr>
+          <p:nvPr>
+            <p:ph idx="1"/>
+          </p:nvPr>
+        </p:nvSpPr>
+        <p:spPr/>
+        <p:txBody>
+          <a:bodyPr/>
+          <a:p>
+            <a:r>
+              <a:rPr lang="zh-CN" altLang="en-US"/>
+              <a:t>An example        is said adversarial if:</a:t>
+            </a:r>
+            <a:endParaRPr lang="zh-CN" altLang="en-US"/>
+          </a:p>
+          <a:p>
+            <a:r>
+              <a:rPr lang="en-US" altLang="zh-CN"/>
+              <a:t>It is close to a sample in the true distribution:</a:t>
+            </a:r>
+            <a:endParaRPr lang="en-US" altLang="zh-CN"/>
+          </a:p>
+          <a:p>
+            <a:endParaRPr lang="en-US" altLang="zh-CN"/>
+          </a:p>
+          <a:p>
+            <a:r>
+              <a:rPr lang="en-US" altLang="zh-CN"/>
+              <a:t>It is misclassified</a:t>
+            </a:r>
+            <a:endParaRPr lang="en-US" altLang="zh-CN"/>
+          </a:p>
+          <a:p>
+            <a:endParaRPr lang="en-US" altLang="zh-CN"/>
+          </a:p>
+          <a:p>
+            <a:r>
+              <a:rPr lang="en-US" altLang="zh-CN"/>
+              <a:t>It belongs to the input domain. E.g. for images:</a:t>
+            </a:r>
+            <a:endParaRPr lang="en-US" altLang="zh-CN"/>
+          </a:p>
+          <a:p>
+            <a:endParaRPr lang="en-US" altLang="zh-CN"/>
+          </a:p>
+          <a:p>
+            <a:endParaRPr lang="en-US" altLang="zh-CN"/>
+          </a:p>
+        </p:txBody>
+      </p:sp>
+      <p:pic>
+        <p:nvPicPr>
+          <p:cNvPr id="4" name="图片 3"/>
+          <p:cNvPicPr>
+            <a:picLocks noChangeAspect="1"/>
+          </p:cNvPicPr>
+          <p:nvPr/>
+        </p:nvPicPr>
+        <p:blipFill>
+          <a:blip r:embed="rId1"/>
+          <a:stretch>
+            <a:fillRect/>
+          </a:stretch>
+        </p:blipFill>
+        <p:spPr>
+          <a:xfrm>
+            <a:off x="3126740" y="1732280"/>
+            <a:ext cx="449580" cy="547370"/>
+          </a:xfrm>
+          <a:prstGeom prst="rect">
+            <a:avLst/>
+          </a:prstGeom>
+        </p:spPr>
+      </p:pic>
+      <p:pic>
+        <p:nvPicPr>
+          <p:cNvPr id="5" name="图片 4"/>
+          <p:cNvPicPr>
+            <a:picLocks noChangeAspect="1"/>
+          </p:cNvPicPr>
+          <p:nvPr/>
+        </p:nvPicPr>
+        <p:blipFill>
+          <a:blip r:embed="rId2"/>
+          <a:stretch>
+            <a:fillRect/>
+          </a:stretch>
+        </p:blipFill>
+        <p:spPr>
+          <a:xfrm>
+            <a:off x="3413125" y="2712720"/>
+            <a:ext cx="2705100" cy="670560"/>
+          </a:xfrm>
+          <a:prstGeom prst="rect">
+            <a:avLst/>
+          </a:prstGeom>
+        </p:spPr>
+      </p:pic>
+      <p:pic>
+        <p:nvPicPr>
+          <p:cNvPr id="6" name="图片 5"/>
+          <p:cNvPicPr>
+            <a:picLocks noChangeAspect="1"/>
+          </p:cNvPicPr>
+          <p:nvPr/>
+        </p:nvPicPr>
+        <p:blipFill>
+          <a:blip r:embed="rId3"/>
+          <a:stretch>
+            <a:fillRect/>
+          </a:stretch>
+        </p:blipFill>
+        <p:spPr>
+          <a:xfrm>
+            <a:off x="2601595" y="3740150"/>
+            <a:ext cx="4618355" cy="647700"/>
+          </a:xfrm>
+          <a:prstGeom prst="rect">
+            <a:avLst/>
+          </a:prstGeom>
+        </p:spPr>
+      </p:pic>
+      <p:pic>
+        <p:nvPicPr>
+          <p:cNvPr id="7" name="图片 6"/>
+          <p:cNvPicPr>
+            <a:picLocks noChangeAspect="1"/>
+          </p:cNvPicPr>
+          <p:nvPr/>
+        </p:nvPicPr>
+        <p:blipFill>
+          <a:blip r:embed="rId4"/>
+          <a:stretch>
+            <a:fillRect/>
+          </a:stretch>
+        </p:blipFill>
+        <p:spPr>
+          <a:xfrm>
+            <a:off x="3126740" y="4863465"/>
+            <a:ext cx="2727960" cy="678180"/>
+          </a:xfrm>
+          <a:prstGeom prst="rect">
+            <a:avLst/>
+          </a:prstGeom>
+        </p:spPr>
+      </p:pic>
+    </p:spTree>
+  </p:cSld>
+  <p:clrMapOvr>
+    <a:masterClrMapping/>
+  </p:clrMapOvr>
+</p:sld>
+</file>
+
+<file path=ppt/slides/slide6.xml><?xml version="1.0" encoding="utf-8"?>
+<p:sld xmlns:a="http://schemas.openxmlformats.org/drawingml/2006/main" xmlns:r="http://schemas.openxmlformats.org/officeDocument/2006/relationships" xmlns:p="http://schemas.openxmlformats.org/presentationml/2006/main">
+  <p:cSld>
+    <p:spTree>
+      <p:nvGrpSpPr>
+        <p:cNvPr id="1" name=""/>
+        <p:cNvGrpSpPr/>
+        <p:nvPr/>
+      </p:nvGrpSpPr>
+      <p:grpSpPr/>
+      <p:sp>
+        <p:nvSpPr>
+          <p:cNvPr id="2" name="标题 1"/>
+          <p:cNvSpPr>
+            <a:spLocks noGrp="1"/>
+          </p:cNvSpPr>
+          <p:nvPr>
+            <p:ph type="title"/>
+          </p:nvPr>
+        </p:nvSpPr>
+        <p:spPr/>
+        <p:txBody>
+          <a:bodyPr/>
+          <a:p>
+            <a:r>
+              <a:rPr lang="zh-CN" altLang="en-US"/>
+              <a:t>Types of </a:t>
+            </a:r>
+            <a:r>
+              <a:rPr lang="en-US" altLang="zh-CN"/>
+              <a:t>A</a:t>
+            </a:r>
+            <a:r>
+              <a:rPr lang="zh-CN" altLang="en-US"/>
+              <a:t>ttack</a:t>
+            </a:r>
+            <a:endParaRPr lang="zh-CN" altLang="en-US"/>
+          </a:p>
+        </p:txBody>
+      </p:sp>
+      <p:sp>
+        <p:nvSpPr>
+          <p:cNvPr id="3" name="内容占位符 2"/>
+          <p:cNvSpPr>
+            <a:spLocks noGrp="1"/>
+          </p:cNvSpPr>
+          <p:nvPr>
+            <p:ph idx="1"/>
+          </p:nvPr>
+        </p:nvSpPr>
+        <p:spPr/>
+        <p:txBody>
+          <a:bodyPr/>
+          <a:p>
+            <a:r>
+              <a:rPr lang="zh-CN" altLang="en-US"/>
+              <a:t>Non-targeted attacks: attacker tries to fool a classifier to get any incorrect clas</a:t>
+            </a:r>
+            <a:r>
+              <a:rPr lang="en-US" altLang="zh-CN"/>
+              <a:t>s</a:t>
+            </a:r>
+            <a:endParaRPr lang="zh-CN" altLang="en-US"/>
+          </a:p>
+          <a:p>
+            <a:endParaRPr lang="zh-CN" altLang="en-US"/>
+          </a:p>
+          <a:p>
+            <a:endParaRPr lang="zh-CN" altLang="en-US"/>
+          </a:p>
+          <a:p>
+            <a:r>
+              <a:rPr lang="zh-CN" altLang="en-US"/>
+              <a:t>Targeted attacks: attacker tries to fool a classifier to predict a particular class</a:t>
+            </a:r>
+            <a:endParaRPr lang="zh-CN" altLang="en-US"/>
+          </a:p>
+        </p:txBody>
+      </p:sp>
+      <p:pic>
+        <p:nvPicPr>
+          <p:cNvPr id="4" name="图片 3"/>
+          <p:cNvPicPr>
+            <a:picLocks noChangeAspect="1"/>
+          </p:cNvPicPr>
+          <p:nvPr/>
+        </p:nvPicPr>
+        <p:blipFill>
+          <a:blip r:embed="rId1"/>
+          <a:stretch>
+            <a:fillRect/>
+          </a:stretch>
+        </p:blipFill>
+        <p:spPr>
+          <a:xfrm>
+            <a:off x="3118485" y="2855595"/>
+            <a:ext cx="4679315" cy="716280"/>
+          </a:xfrm>
+          <a:prstGeom prst="rect">
+            <a:avLst/>
+          </a:prstGeom>
+        </p:spPr>
+      </p:pic>
+      <p:pic>
+        <p:nvPicPr>
+          <p:cNvPr id="5" name="图片 4"/>
+          <p:cNvPicPr>
+            <a:picLocks noChangeAspect="1"/>
+          </p:cNvPicPr>
+          <p:nvPr/>
+        </p:nvPicPr>
+        <p:blipFill>
+          <a:blip r:embed="rId2"/>
+          <a:stretch>
+            <a:fillRect/>
+          </a:stretch>
+        </p:blipFill>
+        <p:spPr>
+          <a:xfrm>
+            <a:off x="2940685" y="5020945"/>
+            <a:ext cx="5243195" cy="861060"/>
+          </a:xfrm>
+          <a:prstGeom prst="rect">
+            <a:avLst/>
+          </a:prstGeom>
+        </p:spPr>
+      </p:pic>
+    </p:spTree>
+  </p:cSld>
+  <p:clrMapOvr>
+    <a:masterClrMapping/>
+  </p:clrMapOvr>
+</p:sld>
+</file>
+
+<file path=ppt/slides/slide7.xml><?xml version="1.0" encoding="utf-8"?>
+<p:sld xmlns:a="http://schemas.openxmlformats.org/drawingml/2006/main" xmlns:r="http://schemas.openxmlformats.org/officeDocument/2006/relationships" xmlns:p="http://schemas.openxmlformats.org/presentationml/2006/main">
+  <p:cSld>
+    <p:spTree>
+      <p:nvGrpSpPr>
+        <p:cNvPr id="1" name=""/>
+        <p:cNvGrpSpPr/>
+        <p:nvPr/>
+      </p:nvGrpSpPr>
+      <p:grpSpPr/>
+      <p:sp>
+        <p:nvSpPr>
+          <p:cNvPr id="2" name="标题 1"/>
+          <p:cNvSpPr>
+            <a:spLocks noGrp="1"/>
+          </p:cNvSpPr>
+          <p:nvPr>
+            <p:ph type="title"/>
+          </p:nvPr>
+        </p:nvSpPr>
+        <p:spPr/>
+        <p:txBody>
+          <a:bodyPr/>
+          <a:p>
+            <a:r>
+              <a:rPr lang="zh-CN" altLang="en-US"/>
+              <a:t>Threat model</a:t>
+            </a:r>
+            <a:endParaRPr lang="zh-CN" altLang="en-US"/>
+          </a:p>
+        </p:txBody>
+      </p:sp>
+      <p:sp>
+        <p:nvSpPr>
+          <p:cNvPr id="3" name="内容占位符 2"/>
+          <p:cNvSpPr>
+            <a:spLocks noGrp="1"/>
+          </p:cNvSpPr>
+          <p:nvPr>
+            <p:ph idx="1"/>
+          </p:nvPr>
+        </p:nvSpPr>
+        <p:spPr/>
+        <p:txBody>
+          <a:bodyPr/>
+          <a:p>
+            <a:r>
+              <a:rPr lang="zh-CN" altLang="en-US"/>
+              <a:t>According to the attacker’s knowledge:</a:t>
+            </a:r>
+            <a:endParaRPr lang="zh-CN" altLang="en-US"/>
+          </a:p>
+          <a:p>
+            <a:r>
+              <a:rPr lang="zh-CN" altLang="en-US" b="1"/>
+              <a:t>White-box attacks:</a:t>
+            </a:r>
+            <a:r>
+              <a:rPr lang="zh-CN" altLang="en-US"/>
+              <a:t> attacker has full knowledge of the classifier (e.g. weights for a neural network)</a:t>
+            </a:r>
+            <a:endParaRPr lang="zh-CN" altLang="en-US"/>
+          </a:p>
+          <a:p>
+            <a:r>
+              <a:rPr lang="zh-CN" altLang="en-US" b="1"/>
+              <a:t>Black-box attacks:</a:t>
+            </a:r>
+            <a:r>
+              <a:rPr lang="zh-CN" altLang="en-US"/>
+              <a:t> attacker does not have access to the target classifier. In this case, the attacker trains its own classifier (using data from the same distribution), and creates attacks based on this version.</a:t>
+            </a:r>
+            <a:endParaRPr lang="zh-CN" altLang="en-US"/>
+          </a:p>
+        </p:txBody>
+      </p:sp>
+    </p:spTree>
+  </p:cSld>
+  <p:clrMapOvr>
+    <a:masterClrMapping/>
+  </p:clrMapOvr>
+</p:sld>
+</file>
+
+<file path=ppt/slides/slide8.xml><?xml version="1.0" encoding="utf-8"?>
+<p:sld xmlns:a="http://schemas.openxmlformats.org/drawingml/2006/main" xmlns:r="http://schemas.openxmlformats.org/officeDocument/2006/relationships" xmlns:p="http://schemas.openxmlformats.org/presentationml/2006/main">
+  <p:cSld>
+    <p:spTree>
+      <p:nvGrpSpPr>
+        <p:cNvPr id="1" name=""/>
+        <p:cNvGrpSpPr/>
+        <p:nvPr/>
+      </p:nvGrpSpPr>
+      <p:grpSpPr/>
+      <p:sp>
+        <p:nvSpPr>
+          <p:cNvPr id="2" name="标题 1"/>
+          <p:cNvSpPr>
+            <a:spLocks noGrp="1"/>
+          </p:cNvSpPr>
+          <p:nvPr>
+            <p:ph type="title"/>
+          </p:nvPr>
+        </p:nvSpPr>
+        <p:spPr/>
+        <p:txBody>
+          <a:bodyPr/>
+          <a:p>
+            <a:r>
+              <a:rPr lang="zh-CN" altLang="en-US"/>
+              <a:t>Attacks</a:t>
+            </a:r>
+            <a:endParaRPr lang="zh-CN" altLang="en-US"/>
+          </a:p>
+        </p:txBody>
+      </p:sp>
+      <p:sp>
+        <p:nvSpPr>
+          <p:cNvPr id="3" name="内容占位符 2"/>
+          <p:cNvSpPr>
+            <a:spLocks noGrp="1"/>
+          </p:cNvSpPr>
+          <p:nvPr>
+            <p:ph idx="1"/>
+          </p:nvPr>
+        </p:nvSpPr>
+        <p:spPr/>
+        <p:txBody>
+          <a:bodyPr>
+            <a:normAutofit fontScale="80000"/>
+          </a:bodyPr>
+          <a:p>
+            <a:r>
+              <a:rPr lang="zh-CN" altLang="en-US"/>
+              <a:t>Box constrained optimization (Szegedy et al):</a:t>
+            </a:r>
+            <a:endParaRPr lang="zh-CN" altLang="en-US"/>
+          </a:p>
+          <a:p>
+            <a:endParaRPr lang="zh-CN" altLang="en-US"/>
+          </a:p>
+          <a:p>
+            <a:endParaRPr lang="zh-CN" altLang="en-US"/>
+          </a:p>
+          <a:p>
+            <a:endParaRPr lang="zh-CN" altLang="en-US"/>
+          </a:p>
+          <a:p>
+            <a:endParaRPr lang="zh-CN" altLang="en-US"/>
+          </a:p>
+          <a:p>
+            <a:endParaRPr lang="zh-CN" altLang="en-US"/>
+          </a:p>
+          <a:p>
+            <a:endParaRPr lang="zh-CN" altLang="en-US"/>
+          </a:p>
+          <a:p>
+            <a:endParaRPr lang="zh-CN" altLang="en-US"/>
+          </a:p>
+          <a:p>
+            <a:endParaRPr lang="zh-CN" altLang="en-US"/>
+          </a:p>
+          <a:p>
+            <a:r>
+              <a:rPr lang="en-US" altLang="zh-CN"/>
+              <a:t>Generates adversarial images that are very close to the original samples</a:t>
+            </a:r>
+            <a:endParaRPr lang="en-US" altLang="zh-CN"/>
+          </a:p>
+        </p:txBody>
+      </p:sp>
+      <p:pic>
+        <p:nvPicPr>
+          <p:cNvPr id="4" name="图片 3"/>
+          <p:cNvPicPr>
+            <a:picLocks noChangeAspect="1"/>
+          </p:cNvPicPr>
+          <p:nvPr/>
+        </p:nvPicPr>
+        <p:blipFill>
+          <a:blip r:embed="rId1"/>
+          <a:stretch>
+            <a:fillRect/>
+          </a:stretch>
+        </p:blipFill>
+        <p:spPr>
+          <a:xfrm>
+            <a:off x="925195" y="2591435"/>
+            <a:ext cx="9860915" cy="2537460"/>
+          </a:xfrm>
+          <a:prstGeom prst="rect">
+            <a:avLst/>
+          </a:prstGeom>
+        </p:spPr>
+      </p:pic>
+    </p:spTree>
+  </p:cSld>
+  <p:clrMapOvr>
+    <a:masterClrMapping/>
+  </p:clrMapOvr>
+</p:sld>
+</file>
+
+<file path=ppt/slides/slide9.xml><?xml version="1.0" encoding="utf-8"?>
+<p:sld xmlns:a="http://schemas.openxmlformats.org/drawingml/2006/main" xmlns:r="http://schemas.openxmlformats.org/officeDocument/2006/relationships" xmlns:p="http://schemas.openxmlformats.org/presentationml/2006/main">
+  <p:cSld>
+    <p:spTree>
+      <p:nvGrpSpPr>
+        <p:cNvPr id="1" name=""/>
+        <p:cNvGrpSpPr/>
+        <p:nvPr/>
+      </p:nvGrpSpPr>
+      <p:grpSpPr/>
+      <p:sp>
+        <p:nvSpPr>
+          <p:cNvPr id="2" name="标题 1"/>
+          <p:cNvSpPr>
+            <a:spLocks noGrp="1"/>
+          </p:cNvSpPr>
+          <p:nvPr>
+            <p:ph type="title"/>
+          </p:nvPr>
+        </p:nvSpPr>
+        <p:spPr/>
+        <p:txBody>
+          <a:bodyPr/>
+          <a:p>
+            <a:r>
+              <a:rPr lang="en-US" altLang="zh-CN"/>
+              <a:t>White-Box Adversarial Attack</a:t>
+            </a:r>
+            <a:endParaRPr lang="en-US" altLang="zh-CN"/>
+          </a:p>
+        </p:txBody>
+      </p:sp>
+      <p:sp>
+        <p:nvSpPr>
+          <p:cNvPr id="3" name="内容占位符 2"/>
+          <p:cNvSpPr>
+            <a:spLocks noGrp="1"/>
+          </p:cNvSpPr>
+          <p:nvPr>
+            <p:ph idx="1"/>
+          </p:nvPr>
+        </p:nvSpPr>
+        <p:spPr/>
+        <p:txBody>
+          <a:bodyPr/>
+          <a:p>
+            <a:r>
+              <a:rPr lang="zh-CN" altLang="en-US"/>
+              <a:t>Fast-GradientSignMethod (FGSM)</a:t>
+            </a:r>
+            <a:endParaRPr lang="zh-CN" altLang="en-US"/>
+          </a:p>
+        </p:txBody>
+      </p:sp>
+      <p:pic>
+        <p:nvPicPr>
+          <p:cNvPr id="4" name="图片 3"/>
+          <p:cNvPicPr>
+            <a:picLocks noChangeAspect="1"/>
+          </p:cNvPicPr>
+          <p:nvPr/>
+        </p:nvPicPr>
+        <p:blipFill>
+          <a:blip r:embed="rId1"/>
+          <a:stretch>
+            <a:fillRect/>
+          </a:stretch>
+        </p:blipFill>
+        <p:spPr>
+          <a:xfrm>
+            <a:off x="1131570" y="2541905"/>
+            <a:ext cx="5470525" cy="3896360"/>
+          </a:xfrm>
+          <a:prstGeom prst="rect">
+            <a:avLst/>
+          </a:prstGeom>
+        </p:spPr>
+      </p:pic>
+    </p:spTree>
   </p:cSld>
   <p:clrMapOvr>
     <a:masterClrMapping/>
@@ -3258,7 +4771,7 @@
     </a:clrScheme>
     <a:fontScheme name="Office">
       <a:majorFont>
-        <a:latin typeface="DengXian Light" panose="020F0302020204030204"/>
+        <a:latin typeface="DengXian Light"/>
         <a:ea typeface=""/>
         <a:cs typeface=""/>
         <a:font script="Jpan" typeface="Yu Gothic Light"/>
@@ -3293,7 +4806,7 @@
         <a:font script="Geor" typeface="Sylfaen"/>
       </a:majorFont>
       <a:minorFont>
-        <a:latin typeface="DengXian" panose="020F0502020204030204"/>
+        <a:latin typeface="DengXian"/>
         <a:ea typeface=""/>
         <a:cs typeface=""/>
         <a:font script="Jpan" typeface="Yu Gothic"/>
@@ -3466,8 +4979,265 @@
       </a:bgFillStyleLst>
     </a:fmtScheme>
   </a:themeElements>
-  <a:objectDefaults/>
-  <a:extraClrSchemeLst/>
+  <a:extLst>
+    <a:ext uri="{05A4C25C-085E-4340-85A3-A5531E510DB2}">
+      <thm15:themeFamily xmlns:thm15="http://schemas.microsoft.com/office/thememl/2012/main" name="Office Theme" id="{62F939B6-93AF-4DB8-9C6B-D6C7DFDC589F}" vid="{4A3C46E8-61CC-4603-A589-7422A47A8E4A}"/>
+    </a:ext>
+  </a:extLst>
+</a:theme>
+</file>
+
+<file path=ppt/theme/theme2.xml><?xml version="1.0" encoding="utf-8"?>
+<a:theme xmlns:a="http://schemas.openxmlformats.org/drawingml/2006/main" name="Office 主题">
+  <a:themeElements>
+    <a:clrScheme name="Office">
+      <a:dk1>
+        <a:sysClr val="windowText" lastClr="000000"/>
+      </a:dk1>
+      <a:lt1>
+        <a:sysClr val="window" lastClr="FFFFFF"/>
+      </a:lt1>
+      <a:dk2>
+        <a:srgbClr val="44546A"/>
+      </a:dk2>
+      <a:lt2>
+        <a:srgbClr val="E7E6E6"/>
+      </a:lt2>
+      <a:accent1>
+        <a:srgbClr val="5B9BD5"/>
+      </a:accent1>
+      <a:accent2>
+        <a:srgbClr val="ED7D31"/>
+      </a:accent2>
+      <a:accent3>
+        <a:srgbClr val="A5A5A5"/>
+      </a:accent3>
+      <a:accent4>
+        <a:srgbClr val="FFC000"/>
+      </a:accent4>
+      <a:accent5>
+        <a:srgbClr val="4472C4"/>
+      </a:accent5>
+      <a:accent6>
+        <a:srgbClr val="70AD47"/>
+      </a:accent6>
+      <a:hlink>
+        <a:srgbClr val="0563C1"/>
+      </a:hlink>
+      <a:folHlink>
+        <a:srgbClr val="954F72"/>
+      </a:folHlink>
+    </a:clrScheme>
+    <a:fontScheme name="Office">
+      <a:majorFont>
+        <a:latin typeface="Calibri Light"/>
+        <a:ea typeface=""/>
+        <a:cs typeface=""/>
+        <a:font script="Jpan" typeface="ＭＳ Ｐゴシック"/>
+        <a:font script="Hang" typeface="맑은 고딕"/>
+        <a:font script="Hans" typeface="宋体"/>
+        <a:font script="Hant" typeface="新細明體"/>
+        <a:font script="Arab" typeface="Times New Roman"/>
+        <a:font script="Hebr" typeface="Times New Roman"/>
+        <a:font script="Thai" typeface="Angsana New"/>
+        <a:font script="Ethi" typeface="Nyala"/>
+        <a:font script="Beng" typeface="Vrinda"/>
+        <a:font script="Gujr" typeface="Shruti"/>
+        <a:font script="Khmr" typeface="MoolBoran"/>
+        <a:font script="Knda" typeface="Tunga"/>
+        <a:font script="Guru" typeface="Raavi"/>
+        <a:font script="Cans" typeface="Euphemia"/>
+        <a:font script="Cher" typeface="Plantagenet Cherokee"/>
+        <a:font script="Yiii" typeface="Microsoft Yi Baiti"/>
+        <a:font script="Tibt" typeface="Microsoft Himalaya"/>
+        <a:font script="Thaa" typeface="MV Boli"/>
+        <a:font script="Deva" typeface="Mangal"/>
+        <a:font script="Telu" typeface="Gautami"/>
+        <a:font script="Taml" typeface="Latha"/>
+        <a:font script="Syrc" typeface="Estrangelo Edessa"/>
+        <a:font script="Orya" typeface="Kalinga"/>
+        <a:font script="Mlym" typeface="Kartika"/>
+        <a:font script="Laoo" typeface="DokChampa"/>
+        <a:font script="Sinh" typeface="Iskoola Pota"/>
+        <a:font script="Mong" typeface="Mongolian Baiti"/>
+        <a:font script="Viet" typeface="Times New Roman"/>
+        <a:font script="Uigh" typeface="Microsoft Uighur"/>
+        <a:font script="Geor" typeface="Sylfaen"/>
+      </a:majorFont>
+      <a:minorFont>
+        <a:latin typeface="Calibri"/>
+        <a:ea typeface=""/>
+        <a:cs typeface=""/>
+        <a:font script="Jpan" typeface="ＭＳ Ｐゴシック"/>
+        <a:font script="Hang" typeface="맑은 고딕"/>
+        <a:font script="Hans" typeface="宋体"/>
+        <a:font script="Hant" typeface="新細明體"/>
+        <a:font script="Arab" typeface="Arial"/>
+        <a:font script="Hebr" typeface="Arial"/>
+        <a:font script="Thai" typeface="Cordia New"/>
+        <a:font script="Ethi" typeface="Nyala"/>
+        <a:font script="Beng" typeface="Vrinda"/>
+        <a:font script="Gujr" typeface="Shruti"/>
+        <a:font script="Khmr" typeface="DaunPenh"/>
+        <a:font script="Knda" typeface="Tunga"/>
+        <a:font script="Guru" typeface="Raavi"/>
+        <a:font script="Cans" typeface="Euphemia"/>
+        <a:font script="Cher" typeface="Plantagenet Cherokee"/>
+        <a:font script="Yiii" typeface="Microsoft Yi Baiti"/>
+        <a:font script="Tibt" typeface="Microsoft Himalaya"/>
+        <a:font script="Thaa" typeface="MV Boli"/>
+        <a:font script="Deva" typeface="Mangal"/>
+        <a:font script="Telu" typeface="Gautami"/>
+        <a:font script="Taml" typeface="Latha"/>
+        <a:font script="Syrc" typeface="Estrangelo Edessa"/>
+        <a:font script="Orya" typeface="Kalinga"/>
+        <a:font script="Mlym" typeface="Kartika"/>
+        <a:font script="Laoo" typeface="DokChampa"/>
+        <a:font script="Sinh" typeface="Iskoola Pota"/>
+        <a:font script="Mong" typeface="Mongolian Baiti"/>
+        <a:font script="Viet" typeface="Arial"/>
+        <a:font script="Uigh" typeface="Microsoft Uighur"/>
+        <a:font script="Geor" typeface="Sylfaen"/>
+      </a:minorFont>
+    </a:fontScheme>
+    <a:fmtScheme name="Office">
+      <a:fillStyleLst>
+        <a:solidFill>
+          <a:schemeClr val="phClr"/>
+        </a:solidFill>
+        <a:gradFill rotWithShape="1">
+          <a:gsLst>
+            <a:gs pos="0">
+              <a:schemeClr val="phClr">
+                <a:lumMod val="110000"/>
+                <a:satMod val="105000"/>
+                <a:tint val="67000"/>
+              </a:schemeClr>
+            </a:gs>
+            <a:gs pos="50000">
+              <a:schemeClr val="phClr">
+                <a:lumMod val="105000"/>
+                <a:satMod val="103000"/>
+                <a:tint val="73000"/>
+              </a:schemeClr>
+            </a:gs>
+            <a:gs pos="100000">
+              <a:schemeClr val="phClr">
+                <a:lumMod val="105000"/>
+                <a:satMod val="109000"/>
+                <a:tint val="81000"/>
+              </a:schemeClr>
+            </a:gs>
+          </a:gsLst>
+          <a:lin ang="5400000" scaled="0"/>
+        </a:gradFill>
+        <a:gradFill rotWithShape="1">
+          <a:gsLst>
+            <a:gs pos="0">
+              <a:schemeClr val="phClr">
+                <a:satMod val="103000"/>
+                <a:lumMod val="102000"/>
+                <a:tint val="94000"/>
+              </a:schemeClr>
+            </a:gs>
+            <a:gs pos="50000">
+              <a:schemeClr val="phClr">
+                <a:satMod val="110000"/>
+                <a:lumMod val="100000"/>
+                <a:shade val="100000"/>
+              </a:schemeClr>
+            </a:gs>
+            <a:gs pos="100000">
+              <a:schemeClr val="phClr">
+                <a:lumMod val="99000"/>
+                <a:satMod val="120000"/>
+                <a:shade val="78000"/>
+              </a:schemeClr>
+            </a:gs>
+          </a:gsLst>
+          <a:lin ang="5400000" scaled="0"/>
+        </a:gradFill>
+      </a:fillStyleLst>
+      <a:lnStyleLst>
+        <a:ln w="6350" cap="flat" cmpd="sng" algn="ctr">
+          <a:solidFill>
+            <a:schemeClr val="phClr"/>
+          </a:solidFill>
+          <a:prstDash val="solid"/>
+          <a:miter lim="800000"/>
+        </a:ln>
+        <a:ln w="12700" cap="flat" cmpd="sng" algn="ctr">
+          <a:solidFill>
+            <a:schemeClr val="phClr"/>
+          </a:solidFill>
+          <a:prstDash val="solid"/>
+          <a:miter lim="800000"/>
+        </a:ln>
+        <a:ln w="19050" cap="flat" cmpd="sng" algn="ctr">
+          <a:solidFill>
+            <a:schemeClr val="phClr"/>
+          </a:solidFill>
+          <a:prstDash val="solid"/>
+          <a:miter lim="800000"/>
+        </a:ln>
+      </a:lnStyleLst>
+      <a:effectStyleLst>
+        <a:effectStyle>
+          <a:effectLst/>
+        </a:effectStyle>
+        <a:effectStyle>
+          <a:effectLst/>
+        </a:effectStyle>
+        <a:effectStyle>
+          <a:effectLst>
+            <a:outerShdw blurRad="57150" dist="19050" dir="5400000" algn="ctr" rotWithShape="0">
+              <a:srgbClr val="000000">
+                <a:alpha val="63000"/>
+              </a:srgbClr>
+            </a:outerShdw>
+          </a:effectLst>
+        </a:effectStyle>
+      </a:effectStyleLst>
+      <a:bgFillStyleLst>
+        <a:solidFill>
+          <a:schemeClr val="phClr"/>
+        </a:solidFill>
+        <a:solidFill>
+          <a:schemeClr val="phClr">
+            <a:tint val="95000"/>
+            <a:satMod val="170000"/>
+          </a:schemeClr>
+        </a:solidFill>
+        <a:gradFill rotWithShape="1">
+          <a:gsLst>
+            <a:gs pos="0">
+              <a:schemeClr val="phClr">
+                <a:tint val="93000"/>
+                <a:satMod val="150000"/>
+                <a:shade val="98000"/>
+                <a:lumMod val="102000"/>
+              </a:schemeClr>
+            </a:gs>
+            <a:gs pos="50000">
+              <a:schemeClr val="phClr">
+                <a:tint val="98000"/>
+                <a:satMod val="130000"/>
+                <a:shade val="90000"/>
+                <a:lumMod val="103000"/>
+              </a:schemeClr>
+            </a:gs>
+            <a:gs pos="100000">
+              <a:schemeClr val="phClr">
+                <a:shade val="63000"/>
+                <a:satMod val="120000"/>
+              </a:schemeClr>
+            </a:gs>
+          </a:gsLst>
+          <a:lin ang="5400000" scaled="0"/>
+        </a:gradFill>
+      </a:bgFillStyleLst>
+    </a:fmtScheme>
+  </a:themeElements>
   <a:extLst>
     <a:ext uri="{05A4C25C-085E-4340-85A3-A5531E510DB2}">
       <thm15:themeFamily xmlns:thm15="http://schemas.microsoft.com/office/thememl/2012/main" name="Office Theme" id="{62F939B6-93AF-4DB8-9C6B-D6C7DFDC589F}" vid="{4A3C46E8-61CC-4603-A589-7422A47A8E4A}"/>
